--- a/qualtcom/Organizacional/Medicion y Monitoreo/Reporte Monitoreo-AAMMDD.pptx
+++ b/qualtcom/Organizacional/Medicion y Monitoreo/Reporte Monitoreo-AAMMDD.pptx
@@ -1,32 +1,126 @@
 
 <file path=ppt/presentation.xml><?xml version="1.0" encoding="utf-8"?>
-<p:presentation xmlns:a="http://schemas.openxmlformats.org/drawingml/2006/main" xmlns:p="http://schemas.openxmlformats.org/presentationml/2006/main" xmlns:r="http://schemas.openxmlformats.org/officeDocument/2006/relationships">
+<p:presentation xmlns:a="http://schemas.openxmlformats.org/drawingml/2006/main" xmlns:r="http://schemas.openxmlformats.org/officeDocument/2006/relationships" xmlns:p="http://schemas.openxmlformats.org/presentationml/2006/main">
   <p:sldMasterIdLst>
-    <p:sldMasterId id="2147483648" r:id="rId2"/>
-    <p:sldMasterId id="2147483661" r:id="rId3"/>
+    <p:sldMasterId id="2147483648" r:id="rId1"/>
+    <p:sldMasterId id="2147483661" r:id="rId2"/>
   </p:sldMasterIdLst>
   <p:sldIdLst>
-    <p:sldId id="256" r:id="rId4"/>
-    <p:sldId id="257" r:id="rId5"/>
-    <p:sldId id="258" r:id="rId6"/>
-    <p:sldId id="259" r:id="rId7"/>
-    <p:sldId id="260" r:id="rId8"/>
-    <p:sldId id="261" r:id="rId9"/>
-    <p:sldId id="262" r:id="rId10"/>
-    <p:sldId id="263" r:id="rId11"/>
-    <p:sldId id="264" r:id="rId12"/>
-    <p:sldId id="265" r:id="rId13"/>
-    <p:sldId id="266" r:id="rId14"/>
-    <p:sldId id="267" r:id="rId15"/>
-    <p:sldId id="268" r:id="rId16"/>
+    <p:sldId id="256" r:id="rId3"/>
+    <p:sldId id="259" r:id="rId4"/>
+    <p:sldId id="260" r:id="rId5"/>
+    <p:sldId id="261" r:id="rId6"/>
+    <p:sldId id="262" r:id="rId7"/>
+    <p:sldId id="263" r:id="rId8"/>
+    <p:sldId id="264" r:id="rId9"/>
+    <p:sldId id="265" r:id="rId10"/>
+    <p:sldId id="266" r:id="rId11"/>
+    <p:sldId id="267" r:id="rId12"/>
+    <p:sldId id="269" r:id="rId13"/>
+    <p:sldId id="268" r:id="rId14"/>
   </p:sldIdLst>
-  <p:sldSz cx="9144000" cy="6858000"/>
+  <p:sldSz cx="9144000" cy="6858000" type="screen4x3"/>
   <p:notesSz cx="7772400" cy="10058400"/>
+  <p:defaultTextStyle>
+    <a:defPPr>
+      <a:defRPr lang="es-MX"/>
+    </a:defPPr>
+    <a:lvl1pPr marL="0" algn="l" defTabSz="914400" rtl="0" eaLnBrk="1" latinLnBrk="0" hangingPunct="1">
+      <a:defRPr sz="1800" kern="1200">
+        <a:solidFill>
+          <a:schemeClr val="tx1"/>
+        </a:solidFill>
+        <a:latin typeface="+mn-lt"/>
+        <a:ea typeface="+mn-ea"/>
+        <a:cs typeface="+mn-cs"/>
+      </a:defRPr>
+    </a:lvl1pPr>
+    <a:lvl2pPr marL="457200" algn="l" defTabSz="914400" rtl="0" eaLnBrk="1" latinLnBrk="0" hangingPunct="1">
+      <a:defRPr sz="1800" kern="1200">
+        <a:solidFill>
+          <a:schemeClr val="tx1"/>
+        </a:solidFill>
+        <a:latin typeface="+mn-lt"/>
+        <a:ea typeface="+mn-ea"/>
+        <a:cs typeface="+mn-cs"/>
+      </a:defRPr>
+    </a:lvl2pPr>
+    <a:lvl3pPr marL="914400" algn="l" defTabSz="914400" rtl="0" eaLnBrk="1" latinLnBrk="0" hangingPunct="1">
+      <a:defRPr sz="1800" kern="1200">
+        <a:solidFill>
+          <a:schemeClr val="tx1"/>
+        </a:solidFill>
+        <a:latin typeface="+mn-lt"/>
+        <a:ea typeface="+mn-ea"/>
+        <a:cs typeface="+mn-cs"/>
+      </a:defRPr>
+    </a:lvl3pPr>
+    <a:lvl4pPr marL="1371600" algn="l" defTabSz="914400" rtl="0" eaLnBrk="1" latinLnBrk="0" hangingPunct="1">
+      <a:defRPr sz="1800" kern="1200">
+        <a:solidFill>
+          <a:schemeClr val="tx1"/>
+        </a:solidFill>
+        <a:latin typeface="+mn-lt"/>
+        <a:ea typeface="+mn-ea"/>
+        <a:cs typeface="+mn-cs"/>
+      </a:defRPr>
+    </a:lvl4pPr>
+    <a:lvl5pPr marL="1828800" algn="l" defTabSz="914400" rtl="0" eaLnBrk="1" latinLnBrk="0" hangingPunct="1">
+      <a:defRPr sz="1800" kern="1200">
+        <a:solidFill>
+          <a:schemeClr val="tx1"/>
+        </a:solidFill>
+        <a:latin typeface="+mn-lt"/>
+        <a:ea typeface="+mn-ea"/>
+        <a:cs typeface="+mn-cs"/>
+      </a:defRPr>
+    </a:lvl5pPr>
+    <a:lvl6pPr marL="2286000" algn="l" defTabSz="914400" rtl="0" eaLnBrk="1" latinLnBrk="0" hangingPunct="1">
+      <a:defRPr sz="1800" kern="1200">
+        <a:solidFill>
+          <a:schemeClr val="tx1"/>
+        </a:solidFill>
+        <a:latin typeface="+mn-lt"/>
+        <a:ea typeface="+mn-ea"/>
+        <a:cs typeface="+mn-cs"/>
+      </a:defRPr>
+    </a:lvl6pPr>
+    <a:lvl7pPr marL="2743200" algn="l" defTabSz="914400" rtl="0" eaLnBrk="1" latinLnBrk="0" hangingPunct="1">
+      <a:defRPr sz="1800" kern="1200">
+        <a:solidFill>
+          <a:schemeClr val="tx1"/>
+        </a:solidFill>
+        <a:latin typeface="+mn-lt"/>
+        <a:ea typeface="+mn-ea"/>
+        <a:cs typeface="+mn-cs"/>
+      </a:defRPr>
+    </a:lvl7pPr>
+    <a:lvl8pPr marL="3200400" algn="l" defTabSz="914400" rtl="0" eaLnBrk="1" latinLnBrk="0" hangingPunct="1">
+      <a:defRPr sz="1800" kern="1200">
+        <a:solidFill>
+          <a:schemeClr val="tx1"/>
+        </a:solidFill>
+        <a:latin typeface="+mn-lt"/>
+        <a:ea typeface="+mn-ea"/>
+        <a:cs typeface="+mn-cs"/>
+      </a:defRPr>
+    </a:lvl8pPr>
+    <a:lvl9pPr marL="3657600" algn="l" defTabSz="914400" rtl="0" eaLnBrk="1" latinLnBrk="0" hangingPunct="1">
+      <a:defRPr sz="1800" kern="1200">
+        <a:solidFill>
+          <a:schemeClr val="tx1"/>
+        </a:solidFill>
+        <a:latin typeface="+mn-lt"/>
+        <a:ea typeface="+mn-ea"/>
+        <a:cs typeface="+mn-cs"/>
+      </a:defRPr>
+    </a:lvl9pPr>
+  </p:defaultTextStyle>
 </p:presentation>
 </file>
 
 <file path=ppt/slideLayouts/slideLayout1.xml><?xml version="1.0" encoding="utf-8"?>
-<p:sldLayout xmlns:a="http://schemas.openxmlformats.org/drawingml/2006/main" xmlns:p="http://schemas.openxmlformats.org/presentationml/2006/main" xmlns:r="http://schemas.openxmlformats.org/officeDocument/2006/relationships" preserve="1" type="blank">
+<p:sldLayout xmlns:a="http://schemas.openxmlformats.org/drawingml/2006/main" xmlns:r="http://schemas.openxmlformats.org/officeDocument/2006/relationships" xmlns:p="http://schemas.openxmlformats.org/presentationml/2006/main" type="blank" preserve="1">
   <p:cSld name="Blank Slide">
     <p:spTree>
       <p:nvGrpSpPr>
@@ -44,11 +138,14 @@
       </p:grpSpPr>
     </p:spTree>
   </p:cSld>
+  <p:clrMapOvr>
+    <a:masterClrMapping/>
+  </p:clrMapOvr>
 </p:sldLayout>
 </file>
 
 <file path=ppt/slideLayouts/slideLayout10.xml><?xml version="1.0" encoding="utf-8"?>
-<p:sldLayout xmlns:a="http://schemas.openxmlformats.org/drawingml/2006/main" xmlns:p="http://schemas.openxmlformats.org/presentationml/2006/main" xmlns:r="http://schemas.openxmlformats.org/officeDocument/2006/relationships" preserve="1" type="objOverTx">
+<p:sldLayout xmlns:a="http://schemas.openxmlformats.org/drawingml/2006/main" xmlns:r="http://schemas.openxmlformats.org/officeDocument/2006/relationships" xmlns:p="http://schemas.openxmlformats.org/presentationml/2006/main" type="objOverTx" preserve="1">
   <p:cSld name="Title, Content over Content">
     <p:spTree>
       <p:nvGrpSpPr>
@@ -84,7 +181,8 @@
           </a:prstGeom>
         </p:spPr>
         <p:txBody>
-          <a:bodyPr anchor="ctr" bIns="0" lIns="0" rIns="0" tIns="0" wrap="none"/>
+          <a:bodyPr wrap="none" lIns="0" tIns="0" rIns="0" bIns="0" anchor="ctr"/>
+          <a:lstStyle/>
           <a:p>
             <a:pPr algn="ctr"/>
             <a:endParaRPr/>
@@ -111,7 +209,8 @@
           </a:prstGeom>
         </p:spPr>
         <p:txBody>
-          <a:bodyPr bIns="0" lIns="0" rIns="0" tIns="0" wrap="none"/>
+          <a:bodyPr wrap="none" lIns="0" tIns="0" rIns="0" bIns="0"/>
+          <a:lstStyle/>
           <a:p>
             <a:endParaRPr/>
           </a:p>
@@ -137,7 +236,8 @@
           </a:prstGeom>
         </p:spPr>
         <p:txBody>
-          <a:bodyPr bIns="0" lIns="0" rIns="0" tIns="0" wrap="none"/>
+          <a:bodyPr wrap="none" lIns="0" tIns="0" rIns="0" bIns="0"/>
+          <a:lstStyle/>
           <a:p>
             <a:endParaRPr/>
           </a:p>
@@ -145,11 +245,14 @@
       </p:sp>
     </p:spTree>
   </p:cSld>
+  <p:clrMapOvr>
+    <a:masterClrMapping/>
+  </p:clrMapOvr>
 </p:sldLayout>
 </file>
 
 <file path=ppt/slideLayouts/slideLayout11.xml><?xml version="1.0" encoding="utf-8"?>
-<p:sldLayout xmlns:a="http://schemas.openxmlformats.org/drawingml/2006/main" xmlns:p="http://schemas.openxmlformats.org/presentationml/2006/main" xmlns:r="http://schemas.openxmlformats.org/officeDocument/2006/relationships" preserve="1" type="fourObj">
+<p:sldLayout xmlns:a="http://schemas.openxmlformats.org/drawingml/2006/main" xmlns:r="http://schemas.openxmlformats.org/officeDocument/2006/relationships" xmlns:p="http://schemas.openxmlformats.org/presentationml/2006/main" type="fourObj" preserve="1">
   <p:cSld name="Title, 4 Content">
     <p:spTree>
       <p:nvGrpSpPr>
@@ -185,7 +288,8 @@
           </a:prstGeom>
         </p:spPr>
         <p:txBody>
-          <a:bodyPr anchor="ctr" bIns="0" lIns="0" rIns="0" tIns="0" wrap="none"/>
+          <a:bodyPr wrap="none" lIns="0" tIns="0" rIns="0" bIns="0" anchor="ctr"/>
+          <a:lstStyle/>
           <a:p>
             <a:pPr algn="ctr"/>
             <a:endParaRPr/>
@@ -212,7 +316,8 @@
           </a:prstGeom>
         </p:spPr>
         <p:txBody>
-          <a:bodyPr bIns="0" lIns="0" rIns="0" tIns="0" wrap="none"/>
+          <a:bodyPr wrap="none" lIns="0" tIns="0" rIns="0" bIns="0"/>
+          <a:lstStyle/>
           <a:p>
             <a:endParaRPr/>
           </a:p>
@@ -238,7 +343,8 @@
           </a:prstGeom>
         </p:spPr>
         <p:txBody>
-          <a:bodyPr bIns="0" lIns="0" rIns="0" tIns="0" wrap="none"/>
+          <a:bodyPr wrap="none" lIns="0" tIns="0" rIns="0" bIns="0"/>
+          <a:lstStyle/>
           <a:p>
             <a:endParaRPr/>
           </a:p>
@@ -264,7 +370,8 @@
           </a:prstGeom>
         </p:spPr>
         <p:txBody>
-          <a:bodyPr bIns="0" lIns="0" rIns="0" tIns="0" wrap="none"/>
+          <a:bodyPr wrap="none" lIns="0" tIns="0" rIns="0" bIns="0"/>
+          <a:lstStyle/>
           <a:p>
             <a:endParaRPr/>
           </a:p>
@@ -290,7 +397,8 @@
           </a:prstGeom>
         </p:spPr>
         <p:txBody>
-          <a:bodyPr bIns="0" lIns="0" rIns="0" tIns="0" wrap="none"/>
+          <a:bodyPr wrap="none" lIns="0" tIns="0" rIns="0" bIns="0"/>
+          <a:lstStyle/>
           <a:p>
             <a:endParaRPr/>
           </a:p>
@@ -298,11 +406,14 @@
       </p:sp>
     </p:spTree>
   </p:cSld>
+  <p:clrMapOvr>
+    <a:masterClrMapping/>
+  </p:clrMapOvr>
 </p:sldLayout>
 </file>
 
 <file path=ppt/slideLayouts/slideLayout12.xml><?xml version="1.0" encoding="utf-8"?>
-<p:sldLayout xmlns:a="http://schemas.openxmlformats.org/drawingml/2006/main" xmlns:p="http://schemas.openxmlformats.org/presentationml/2006/main" xmlns:r="http://schemas.openxmlformats.org/officeDocument/2006/relationships" preserve="1" type="blank">
+<p:sldLayout xmlns:a="http://schemas.openxmlformats.org/drawingml/2006/main" xmlns:r="http://schemas.openxmlformats.org/officeDocument/2006/relationships" xmlns:p="http://schemas.openxmlformats.org/presentationml/2006/main" type="blank" preserve="1">
   <p:cSld name="Title, 6 Content">
     <p:spTree>
       <p:nvGrpSpPr>
@@ -338,7 +449,8 @@
           </a:prstGeom>
         </p:spPr>
         <p:txBody>
-          <a:bodyPr anchor="ctr" bIns="0" lIns="0" rIns="0" tIns="0" wrap="none"/>
+          <a:bodyPr wrap="none" lIns="0" tIns="0" rIns="0" bIns="0" anchor="ctr"/>
+          <a:lstStyle/>
           <a:p>
             <a:pPr algn="ctr"/>
             <a:endParaRPr/>
@@ -365,7 +477,8 @@
           </a:prstGeom>
         </p:spPr>
         <p:txBody>
-          <a:bodyPr bIns="0" lIns="0" rIns="0" tIns="0" wrap="none"/>
+          <a:bodyPr wrap="none" lIns="0" tIns="0" rIns="0" bIns="0"/>
+          <a:lstStyle/>
           <a:p>
             <a:endParaRPr/>
           </a:p>
@@ -391,7 +504,8 @@
           </a:prstGeom>
         </p:spPr>
         <p:txBody>
-          <a:bodyPr bIns="0" lIns="0" rIns="0" tIns="0" wrap="none"/>
+          <a:bodyPr wrap="none" lIns="0" tIns="0" rIns="0" bIns="0"/>
+          <a:lstStyle/>
           <a:p>
             <a:endParaRPr/>
           </a:p>
@@ -399,11 +513,14 @@
       </p:sp>
     </p:spTree>
   </p:cSld>
+  <p:clrMapOvr>
+    <a:masterClrMapping/>
+  </p:clrMapOvr>
 </p:sldLayout>
 </file>
 
 <file path=ppt/slideLayouts/slideLayout13.xml><?xml version="1.0" encoding="utf-8"?>
-<p:sldLayout xmlns:a="http://schemas.openxmlformats.org/drawingml/2006/main" xmlns:p="http://schemas.openxmlformats.org/presentationml/2006/main" xmlns:r="http://schemas.openxmlformats.org/officeDocument/2006/relationships" preserve="1" type="blank">
+<p:sldLayout xmlns:a="http://schemas.openxmlformats.org/drawingml/2006/main" xmlns:r="http://schemas.openxmlformats.org/officeDocument/2006/relationships" xmlns:p="http://schemas.openxmlformats.org/presentationml/2006/main" type="blank" preserve="1">
   <p:cSld name="Blank Slide">
     <p:spTree>
       <p:nvGrpSpPr>
@@ -421,11 +538,14 @@
       </p:grpSpPr>
     </p:spTree>
   </p:cSld>
+  <p:clrMapOvr>
+    <a:masterClrMapping/>
+  </p:clrMapOvr>
 </p:sldLayout>
 </file>
 
 <file path=ppt/slideLayouts/slideLayout14.xml><?xml version="1.0" encoding="utf-8"?>
-<p:sldLayout xmlns:a="http://schemas.openxmlformats.org/drawingml/2006/main" xmlns:p="http://schemas.openxmlformats.org/presentationml/2006/main" xmlns:r="http://schemas.openxmlformats.org/officeDocument/2006/relationships" preserve="1" type="tx">
+<p:sldLayout xmlns:a="http://schemas.openxmlformats.org/drawingml/2006/main" xmlns:r="http://schemas.openxmlformats.org/officeDocument/2006/relationships" xmlns:p="http://schemas.openxmlformats.org/presentationml/2006/main" type="tx" preserve="1">
   <p:cSld name="Title Slide">
     <p:spTree>
       <p:nvGrpSpPr>
@@ -461,7 +581,8 @@
           </a:prstGeom>
         </p:spPr>
         <p:txBody>
-          <a:bodyPr anchor="ctr" bIns="0" lIns="0" rIns="0" tIns="0" wrap="none"/>
+          <a:bodyPr wrap="none" lIns="0" tIns="0" rIns="0" bIns="0" anchor="ctr"/>
+          <a:lstStyle/>
           <a:p>
             <a:pPr algn="ctr"/>
             <a:endParaRPr/>
@@ -488,7 +609,8 @@
           </a:prstGeom>
         </p:spPr>
         <p:txBody>
-          <a:bodyPr anchor="ctr" bIns="0" lIns="0" rIns="0" tIns="0" wrap="none"/>
+          <a:bodyPr wrap="none" lIns="0" tIns="0" rIns="0" bIns="0" anchor="ctr"/>
+          <a:lstStyle/>
           <a:p>
             <a:pPr algn="ctr"/>
             <a:endParaRPr/>
@@ -497,11 +619,14 @@
       </p:sp>
     </p:spTree>
   </p:cSld>
+  <p:clrMapOvr>
+    <a:masterClrMapping/>
+  </p:clrMapOvr>
 </p:sldLayout>
 </file>
 
 <file path=ppt/slideLayouts/slideLayout15.xml><?xml version="1.0" encoding="utf-8"?>
-<p:sldLayout xmlns:a="http://schemas.openxmlformats.org/drawingml/2006/main" xmlns:p="http://schemas.openxmlformats.org/presentationml/2006/main" xmlns:r="http://schemas.openxmlformats.org/officeDocument/2006/relationships" preserve="1" type="obj">
+<p:sldLayout xmlns:a="http://schemas.openxmlformats.org/drawingml/2006/main" xmlns:r="http://schemas.openxmlformats.org/officeDocument/2006/relationships" xmlns:p="http://schemas.openxmlformats.org/presentationml/2006/main" type="obj" preserve="1">
   <p:cSld name="Title, Content">
     <p:spTree>
       <p:nvGrpSpPr>
@@ -537,7 +662,8 @@
           </a:prstGeom>
         </p:spPr>
         <p:txBody>
-          <a:bodyPr anchor="ctr" bIns="0" lIns="0" rIns="0" tIns="0" wrap="none"/>
+          <a:bodyPr wrap="none" lIns="0" tIns="0" rIns="0" bIns="0" anchor="ctr"/>
+          <a:lstStyle/>
           <a:p>
             <a:pPr algn="ctr"/>
             <a:endParaRPr/>
@@ -564,7 +690,8 @@
           </a:prstGeom>
         </p:spPr>
         <p:txBody>
-          <a:bodyPr bIns="0" lIns="0" rIns="0" tIns="0" wrap="none"/>
+          <a:bodyPr wrap="none" lIns="0" tIns="0" rIns="0" bIns="0"/>
+          <a:lstStyle/>
           <a:p>
             <a:endParaRPr/>
           </a:p>
@@ -572,11 +699,14 @@
       </p:sp>
     </p:spTree>
   </p:cSld>
+  <p:clrMapOvr>
+    <a:masterClrMapping/>
+  </p:clrMapOvr>
 </p:sldLayout>
 </file>
 
 <file path=ppt/slideLayouts/slideLayout16.xml><?xml version="1.0" encoding="utf-8"?>
-<p:sldLayout xmlns:a="http://schemas.openxmlformats.org/drawingml/2006/main" xmlns:p="http://schemas.openxmlformats.org/presentationml/2006/main" xmlns:r="http://schemas.openxmlformats.org/officeDocument/2006/relationships" preserve="1" type="twoObj">
+<p:sldLayout xmlns:a="http://schemas.openxmlformats.org/drawingml/2006/main" xmlns:r="http://schemas.openxmlformats.org/officeDocument/2006/relationships" xmlns:p="http://schemas.openxmlformats.org/presentationml/2006/main" type="twoObj" preserve="1">
   <p:cSld name="Title, 2 Content">
     <p:spTree>
       <p:nvGrpSpPr>
@@ -612,7 +742,8 @@
           </a:prstGeom>
         </p:spPr>
         <p:txBody>
-          <a:bodyPr anchor="ctr" bIns="0" lIns="0" rIns="0" tIns="0" wrap="none"/>
+          <a:bodyPr wrap="none" lIns="0" tIns="0" rIns="0" bIns="0" anchor="ctr"/>
+          <a:lstStyle/>
           <a:p>
             <a:pPr algn="ctr"/>
             <a:endParaRPr/>
@@ -639,7 +770,8 @@
           </a:prstGeom>
         </p:spPr>
         <p:txBody>
-          <a:bodyPr bIns="0" lIns="0" rIns="0" tIns="0" wrap="none"/>
+          <a:bodyPr wrap="none" lIns="0" tIns="0" rIns="0" bIns="0"/>
+          <a:lstStyle/>
           <a:p>
             <a:endParaRPr/>
           </a:p>
@@ -665,7 +797,8 @@
           </a:prstGeom>
         </p:spPr>
         <p:txBody>
-          <a:bodyPr bIns="0" lIns="0" rIns="0" tIns="0" wrap="none"/>
+          <a:bodyPr wrap="none" lIns="0" tIns="0" rIns="0" bIns="0"/>
+          <a:lstStyle/>
           <a:p>
             <a:endParaRPr/>
           </a:p>
@@ -673,11 +806,14 @@
       </p:sp>
     </p:spTree>
   </p:cSld>
+  <p:clrMapOvr>
+    <a:masterClrMapping/>
+  </p:clrMapOvr>
 </p:sldLayout>
 </file>
 
 <file path=ppt/slideLayouts/slideLayout17.xml><?xml version="1.0" encoding="utf-8"?>
-<p:sldLayout xmlns:a="http://schemas.openxmlformats.org/drawingml/2006/main" xmlns:p="http://schemas.openxmlformats.org/presentationml/2006/main" xmlns:r="http://schemas.openxmlformats.org/officeDocument/2006/relationships" preserve="1" type="titleOnly">
+<p:sldLayout xmlns:a="http://schemas.openxmlformats.org/drawingml/2006/main" xmlns:r="http://schemas.openxmlformats.org/officeDocument/2006/relationships" xmlns:p="http://schemas.openxmlformats.org/presentationml/2006/main" type="titleOnly" preserve="1">
   <p:cSld name="Title Only">
     <p:spTree>
       <p:nvGrpSpPr>
@@ -713,7 +849,8 @@
           </a:prstGeom>
         </p:spPr>
         <p:txBody>
-          <a:bodyPr anchor="ctr" bIns="0" lIns="0" rIns="0" tIns="0" wrap="none"/>
+          <a:bodyPr wrap="none" lIns="0" tIns="0" rIns="0" bIns="0" anchor="ctr"/>
+          <a:lstStyle/>
           <a:p>
             <a:pPr algn="ctr"/>
             <a:endParaRPr/>
@@ -722,11 +859,14 @@
       </p:sp>
     </p:spTree>
   </p:cSld>
+  <p:clrMapOvr>
+    <a:masterClrMapping/>
+  </p:clrMapOvr>
 </p:sldLayout>
 </file>
 
 <file path=ppt/slideLayouts/slideLayout18.xml><?xml version="1.0" encoding="utf-8"?>
-<p:sldLayout xmlns:a="http://schemas.openxmlformats.org/drawingml/2006/main" xmlns:p="http://schemas.openxmlformats.org/presentationml/2006/main" xmlns:r="http://schemas.openxmlformats.org/officeDocument/2006/relationships" preserve="1" type="objOnly">
+<p:sldLayout xmlns:a="http://schemas.openxmlformats.org/drawingml/2006/main" xmlns:r="http://schemas.openxmlformats.org/officeDocument/2006/relationships" xmlns:p="http://schemas.openxmlformats.org/presentationml/2006/main" type="objOnly" preserve="1">
   <p:cSld name="Centered Text">
     <p:spTree>
       <p:nvGrpSpPr>
@@ -762,7 +902,8 @@
           </a:prstGeom>
         </p:spPr>
         <p:txBody>
-          <a:bodyPr anchor="ctr" bIns="0" lIns="0" rIns="0" tIns="0" wrap="none"/>
+          <a:bodyPr wrap="none" lIns="0" tIns="0" rIns="0" bIns="0" anchor="ctr"/>
+          <a:lstStyle/>
           <a:p>
             <a:pPr algn="ctr"/>
             <a:endParaRPr/>
@@ -771,11 +912,14 @@
       </p:sp>
     </p:spTree>
   </p:cSld>
+  <p:clrMapOvr>
+    <a:masterClrMapping/>
+  </p:clrMapOvr>
 </p:sldLayout>
 </file>
 
 <file path=ppt/slideLayouts/slideLayout19.xml><?xml version="1.0" encoding="utf-8"?>
-<p:sldLayout xmlns:a="http://schemas.openxmlformats.org/drawingml/2006/main" xmlns:p="http://schemas.openxmlformats.org/presentationml/2006/main" xmlns:r="http://schemas.openxmlformats.org/officeDocument/2006/relationships" preserve="1" type="twoObjAndObj">
+<p:sldLayout xmlns:a="http://schemas.openxmlformats.org/drawingml/2006/main" xmlns:r="http://schemas.openxmlformats.org/officeDocument/2006/relationships" xmlns:p="http://schemas.openxmlformats.org/presentationml/2006/main" type="twoObjAndObj" preserve="1">
   <p:cSld name="Title, 2 Content and Content">
     <p:spTree>
       <p:nvGrpSpPr>
@@ -811,7 +955,8 @@
           </a:prstGeom>
         </p:spPr>
         <p:txBody>
-          <a:bodyPr anchor="ctr" bIns="0" lIns="0" rIns="0" tIns="0" wrap="none"/>
+          <a:bodyPr wrap="none" lIns="0" tIns="0" rIns="0" bIns="0" anchor="ctr"/>
+          <a:lstStyle/>
           <a:p>
             <a:pPr algn="ctr"/>
             <a:endParaRPr/>
@@ -838,7 +983,8 @@
           </a:prstGeom>
         </p:spPr>
         <p:txBody>
-          <a:bodyPr bIns="0" lIns="0" rIns="0" tIns="0" wrap="none"/>
+          <a:bodyPr wrap="none" lIns="0" tIns="0" rIns="0" bIns="0"/>
+          <a:lstStyle/>
           <a:p>
             <a:endParaRPr/>
           </a:p>
@@ -864,7 +1010,8 @@
           </a:prstGeom>
         </p:spPr>
         <p:txBody>
-          <a:bodyPr bIns="0" lIns="0" rIns="0" tIns="0" wrap="none"/>
+          <a:bodyPr wrap="none" lIns="0" tIns="0" rIns="0" bIns="0"/>
+          <a:lstStyle/>
           <a:p>
             <a:endParaRPr/>
           </a:p>
@@ -890,7 +1037,8 @@
           </a:prstGeom>
         </p:spPr>
         <p:txBody>
-          <a:bodyPr bIns="0" lIns="0" rIns="0" tIns="0" wrap="none"/>
+          <a:bodyPr wrap="none" lIns="0" tIns="0" rIns="0" bIns="0"/>
+          <a:lstStyle/>
           <a:p>
             <a:endParaRPr/>
           </a:p>
@@ -898,11 +1046,14 @@
       </p:sp>
     </p:spTree>
   </p:cSld>
+  <p:clrMapOvr>
+    <a:masterClrMapping/>
+  </p:clrMapOvr>
 </p:sldLayout>
 </file>
 
 <file path=ppt/slideLayouts/slideLayout2.xml><?xml version="1.0" encoding="utf-8"?>
-<p:sldLayout xmlns:a="http://schemas.openxmlformats.org/drawingml/2006/main" xmlns:p="http://schemas.openxmlformats.org/presentationml/2006/main" xmlns:r="http://schemas.openxmlformats.org/officeDocument/2006/relationships" preserve="1" type="tx">
+<p:sldLayout xmlns:a="http://schemas.openxmlformats.org/drawingml/2006/main" xmlns:r="http://schemas.openxmlformats.org/officeDocument/2006/relationships" xmlns:p="http://schemas.openxmlformats.org/presentationml/2006/main" type="tx" preserve="1">
   <p:cSld name="Title Slide">
     <p:spTree>
       <p:nvGrpSpPr>
@@ -938,7 +1089,8 @@
           </a:prstGeom>
         </p:spPr>
         <p:txBody>
-          <a:bodyPr anchor="ctr" bIns="0" lIns="0" rIns="0" tIns="0" wrap="none"/>
+          <a:bodyPr wrap="none" lIns="0" tIns="0" rIns="0" bIns="0" anchor="ctr"/>
+          <a:lstStyle/>
           <a:p>
             <a:pPr algn="ctr"/>
             <a:endParaRPr/>
@@ -965,7 +1117,8 @@
           </a:prstGeom>
         </p:spPr>
         <p:txBody>
-          <a:bodyPr anchor="ctr" bIns="0" lIns="0" rIns="0" tIns="0" wrap="none"/>
+          <a:bodyPr wrap="none" lIns="0" tIns="0" rIns="0" bIns="0" anchor="ctr"/>
+          <a:lstStyle/>
           <a:p>
             <a:pPr algn="ctr"/>
             <a:endParaRPr/>
@@ -974,11 +1127,14 @@
       </p:sp>
     </p:spTree>
   </p:cSld>
+  <p:clrMapOvr>
+    <a:masterClrMapping/>
+  </p:clrMapOvr>
 </p:sldLayout>
 </file>
 
 <file path=ppt/slideLayouts/slideLayout20.xml><?xml version="1.0" encoding="utf-8"?>
-<p:sldLayout xmlns:a="http://schemas.openxmlformats.org/drawingml/2006/main" xmlns:p="http://schemas.openxmlformats.org/presentationml/2006/main" xmlns:r="http://schemas.openxmlformats.org/officeDocument/2006/relationships" preserve="1" type="objAndTwoObj">
+<p:sldLayout xmlns:a="http://schemas.openxmlformats.org/drawingml/2006/main" xmlns:r="http://schemas.openxmlformats.org/officeDocument/2006/relationships" xmlns:p="http://schemas.openxmlformats.org/presentationml/2006/main" type="objAndTwoObj" preserve="1">
   <p:cSld name="Title Content and 2 Content">
     <p:spTree>
       <p:nvGrpSpPr>
@@ -1014,7 +1170,8 @@
           </a:prstGeom>
         </p:spPr>
         <p:txBody>
-          <a:bodyPr anchor="ctr" bIns="0" lIns="0" rIns="0" tIns="0" wrap="none"/>
+          <a:bodyPr wrap="none" lIns="0" tIns="0" rIns="0" bIns="0" anchor="ctr"/>
+          <a:lstStyle/>
           <a:p>
             <a:pPr algn="ctr"/>
             <a:endParaRPr/>
@@ -1041,7 +1198,8 @@
           </a:prstGeom>
         </p:spPr>
         <p:txBody>
-          <a:bodyPr bIns="0" lIns="0" rIns="0" tIns="0" wrap="none"/>
+          <a:bodyPr wrap="none" lIns="0" tIns="0" rIns="0" bIns="0"/>
+          <a:lstStyle/>
           <a:p>
             <a:endParaRPr/>
           </a:p>
@@ -1067,7 +1225,8 @@
           </a:prstGeom>
         </p:spPr>
         <p:txBody>
-          <a:bodyPr bIns="0" lIns="0" rIns="0" tIns="0" wrap="none"/>
+          <a:bodyPr wrap="none" lIns="0" tIns="0" rIns="0" bIns="0"/>
+          <a:lstStyle/>
           <a:p>
             <a:endParaRPr/>
           </a:p>
@@ -1093,7 +1252,8 @@
           </a:prstGeom>
         </p:spPr>
         <p:txBody>
-          <a:bodyPr bIns="0" lIns="0" rIns="0" tIns="0" wrap="none"/>
+          <a:bodyPr wrap="none" lIns="0" tIns="0" rIns="0" bIns="0"/>
+          <a:lstStyle/>
           <a:p>
             <a:endParaRPr/>
           </a:p>
@@ -1101,11 +1261,14 @@
       </p:sp>
     </p:spTree>
   </p:cSld>
+  <p:clrMapOvr>
+    <a:masterClrMapping/>
+  </p:clrMapOvr>
 </p:sldLayout>
 </file>
 
 <file path=ppt/slideLayouts/slideLayout21.xml><?xml version="1.0" encoding="utf-8"?>
-<p:sldLayout xmlns:a="http://schemas.openxmlformats.org/drawingml/2006/main" xmlns:p="http://schemas.openxmlformats.org/presentationml/2006/main" xmlns:r="http://schemas.openxmlformats.org/officeDocument/2006/relationships" preserve="1" type="twoObjOverTx">
+<p:sldLayout xmlns:a="http://schemas.openxmlformats.org/drawingml/2006/main" xmlns:r="http://schemas.openxmlformats.org/officeDocument/2006/relationships" xmlns:p="http://schemas.openxmlformats.org/presentationml/2006/main" type="twoObjOverTx" preserve="1">
   <p:cSld name="Title, 2 Content over Content">
     <p:spTree>
       <p:nvGrpSpPr>
@@ -1141,7 +1304,8 @@
           </a:prstGeom>
         </p:spPr>
         <p:txBody>
-          <a:bodyPr anchor="ctr" bIns="0" lIns="0" rIns="0" tIns="0" wrap="none"/>
+          <a:bodyPr wrap="none" lIns="0" tIns="0" rIns="0" bIns="0" anchor="ctr"/>
+          <a:lstStyle/>
           <a:p>
             <a:pPr algn="ctr"/>
             <a:endParaRPr/>
@@ -1168,7 +1332,8 @@
           </a:prstGeom>
         </p:spPr>
         <p:txBody>
-          <a:bodyPr bIns="0" lIns="0" rIns="0" tIns="0" wrap="none"/>
+          <a:bodyPr wrap="none" lIns="0" tIns="0" rIns="0" bIns="0"/>
+          <a:lstStyle/>
           <a:p>
             <a:endParaRPr/>
           </a:p>
@@ -1194,7 +1359,8 @@
           </a:prstGeom>
         </p:spPr>
         <p:txBody>
-          <a:bodyPr bIns="0" lIns="0" rIns="0" tIns="0" wrap="none"/>
+          <a:bodyPr wrap="none" lIns="0" tIns="0" rIns="0" bIns="0"/>
+          <a:lstStyle/>
           <a:p>
             <a:endParaRPr/>
           </a:p>
@@ -1220,7 +1386,8 @@
           </a:prstGeom>
         </p:spPr>
         <p:txBody>
-          <a:bodyPr bIns="0" lIns="0" rIns="0" tIns="0" wrap="none"/>
+          <a:bodyPr wrap="none" lIns="0" tIns="0" rIns="0" bIns="0"/>
+          <a:lstStyle/>
           <a:p>
             <a:endParaRPr/>
           </a:p>
@@ -1228,11 +1395,14 @@
       </p:sp>
     </p:spTree>
   </p:cSld>
+  <p:clrMapOvr>
+    <a:masterClrMapping/>
+  </p:clrMapOvr>
 </p:sldLayout>
 </file>
 
 <file path=ppt/slideLayouts/slideLayout22.xml><?xml version="1.0" encoding="utf-8"?>
-<p:sldLayout xmlns:a="http://schemas.openxmlformats.org/drawingml/2006/main" xmlns:p="http://schemas.openxmlformats.org/presentationml/2006/main" xmlns:r="http://schemas.openxmlformats.org/officeDocument/2006/relationships" preserve="1" type="objOverTx">
+<p:sldLayout xmlns:a="http://schemas.openxmlformats.org/drawingml/2006/main" xmlns:r="http://schemas.openxmlformats.org/officeDocument/2006/relationships" xmlns:p="http://schemas.openxmlformats.org/presentationml/2006/main" type="objOverTx" preserve="1">
   <p:cSld name="Title, Content over Content">
     <p:spTree>
       <p:nvGrpSpPr>
@@ -1268,7 +1438,8 @@
           </a:prstGeom>
         </p:spPr>
         <p:txBody>
-          <a:bodyPr anchor="ctr" bIns="0" lIns="0" rIns="0" tIns="0" wrap="none"/>
+          <a:bodyPr wrap="none" lIns="0" tIns="0" rIns="0" bIns="0" anchor="ctr"/>
+          <a:lstStyle/>
           <a:p>
             <a:pPr algn="ctr"/>
             <a:endParaRPr/>
@@ -1295,7 +1466,8 @@
           </a:prstGeom>
         </p:spPr>
         <p:txBody>
-          <a:bodyPr bIns="0" lIns="0" rIns="0" tIns="0" wrap="none"/>
+          <a:bodyPr wrap="none" lIns="0" tIns="0" rIns="0" bIns="0"/>
+          <a:lstStyle/>
           <a:p>
             <a:endParaRPr/>
           </a:p>
@@ -1321,7 +1493,8 @@
           </a:prstGeom>
         </p:spPr>
         <p:txBody>
-          <a:bodyPr bIns="0" lIns="0" rIns="0" tIns="0" wrap="none"/>
+          <a:bodyPr wrap="none" lIns="0" tIns="0" rIns="0" bIns="0"/>
+          <a:lstStyle/>
           <a:p>
             <a:endParaRPr/>
           </a:p>
@@ -1329,11 +1502,14 @@
       </p:sp>
     </p:spTree>
   </p:cSld>
+  <p:clrMapOvr>
+    <a:masterClrMapping/>
+  </p:clrMapOvr>
 </p:sldLayout>
 </file>
 
 <file path=ppt/slideLayouts/slideLayout23.xml><?xml version="1.0" encoding="utf-8"?>
-<p:sldLayout xmlns:a="http://schemas.openxmlformats.org/drawingml/2006/main" xmlns:p="http://schemas.openxmlformats.org/presentationml/2006/main" xmlns:r="http://schemas.openxmlformats.org/officeDocument/2006/relationships" preserve="1" type="fourObj">
+<p:sldLayout xmlns:a="http://schemas.openxmlformats.org/drawingml/2006/main" xmlns:r="http://schemas.openxmlformats.org/officeDocument/2006/relationships" xmlns:p="http://schemas.openxmlformats.org/presentationml/2006/main" type="fourObj" preserve="1">
   <p:cSld name="Title, 4 Content">
     <p:spTree>
       <p:nvGrpSpPr>
@@ -1369,7 +1545,8 @@
           </a:prstGeom>
         </p:spPr>
         <p:txBody>
-          <a:bodyPr anchor="ctr" bIns="0" lIns="0" rIns="0" tIns="0" wrap="none"/>
+          <a:bodyPr wrap="none" lIns="0" tIns="0" rIns="0" bIns="0" anchor="ctr"/>
+          <a:lstStyle/>
           <a:p>
             <a:pPr algn="ctr"/>
             <a:endParaRPr/>
@@ -1396,7 +1573,8 @@
           </a:prstGeom>
         </p:spPr>
         <p:txBody>
-          <a:bodyPr bIns="0" lIns="0" rIns="0" tIns="0" wrap="none"/>
+          <a:bodyPr wrap="none" lIns="0" tIns="0" rIns="0" bIns="0"/>
+          <a:lstStyle/>
           <a:p>
             <a:endParaRPr/>
           </a:p>
@@ -1422,7 +1600,8 @@
           </a:prstGeom>
         </p:spPr>
         <p:txBody>
-          <a:bodyPr bIns="0" lIns="0" rIns="0" tIns="0" wrap="none"/>
+          <a:bodyPr wrap="none" lIns="0" tIns="0" rIns="0" bIns="0"/>
+          <a:lstStyle/>
           <a:p>
             <a:endParaRPr/>
           </a:p>
@@ -1448,7 +1627,8 @@
           </a:prstGeom>
         </p:spPr>
         <p:txBody>
-          <a:bodyPr bIns="0" lIns="0" rIns="0" tIns="0" wrap="none"/>
+          <a:bodyPr wrap="none" lIns="0" tIns="0" rIns="0" bIns="0"/>
+          <a:lstStyle/>
           <a:p>
             <a:endParaRPr/>
           </a:p>
@@ -1474,7 +1654,8 @@
           </a:prstGeom>
         </p:spPr>
         <p:txBody>
-          <a:bodyPr bIns="0" lIns="0" rIns="0" tIns="0" wrap="none"/>
+          <a:bodyPr wrap="none" lIns="0" tIns="0" rIns="0" bIns="0"/>
+          <a:lstStyle/>
           <a:p>
             <a:endParaRPr/>
           </a:p>
@@ -1482,11 +1663,14 @@
       </p:sp>
     </p:spTree>
   </p:cSld>
+  <p:clrMapOvr>
+    <a:masterClrMapping/>
+  </p:clrMapOvr>
 </p:sldLayout>
 </file>
 
 <file path=ppt/slideLayouts/slideLayout24.xml><?xml version="1.0" encoding="utf-8"?>
-<p:sldLayout xmlns:a="http://schemas.openxmlformats.org/drawingml/2006/main" xmlns:p="http://schemas.openxmlformats.org/presentationml/2006/main" xmlns:r="http://schemas.openxmlformats.org/officeDocument/2006/relationships" preserve="1" type="blank">
+<p:sldLayout xmlns:a="http://schemas.openxmlformats.org/drawingml/2006/main" xmlns:r="http://schemas.openxmlformats.org/officeDocument/2006/relationships" xmlns:p="http://schemas.openxmlformats.org/presentationml/2006/main" type="blank" preserve="1">
   <p:cSld name="Title, 6 Content">
     <p:spTree>
       <p:nvGrpSpPr>
@@ -1522,7 +1706,8 @@
           </a:prstGeom>
         </p:spPr>
         <p:txBody>
-          <a:bodyPr anchor="ctr" bIns="0" lIns="0" rIns="0" tIns="0" wrap="none"/>
+          <a:bodyPr wrap="none" lIns="0" tIns="0" rIns="0" bIns="0" anchor="ctr"/>
+          <a:lstStyle/>
           <a:p>
             <a:pPr algn="ctr"/>
             <a:endParaRPr/>
@@ -1549,7 +1734,8 @@
           </a:prstGeom>
         </p:spPr>
         <p:txBody>
-          <a:bodyPr bIns="0" lIns="0" rIns="0" tIns="0" wrap="none"/>
+          <a:bodyPr wrap="none" lIns="0" tIns="0" rIns="0" bIns="0"/>
+          <a:lstStyle/>
           <a:p>
             <a:endParaRPr/>
           </a:p>
@@ -1575,7 +1761,8 @@
           </a:prstGeom>
         </p:spPr>
         <p:txBody>
-          <a:bodyPr bIns="0" lIns="0" rIns="0" tIns="0" wrap="none"/>
+          <a:bodyPr wrap="none" lIns="0" tIns="0" rIns="0" bIns="0"/>
+          <a:lstStyle/>
           <a:p>
             <a:endParaRPr/>
           </a:p>
@@ -1583,11 +1770,14 @@
       </p:sp>
     </p:spTree>
   </p:cSld>
+  <p:clrMapOvr>
+    <a:masterClrMapping/>
+  </p:clrMapOvr>
 </p:sldLayout>
 </file>
 
 <file path=ppt/slideLayouts/slideLayout3.xml><?xml version="1.0" encoding="utf-8"?>
-<p:sldLayout xmlns:a="http://schemas.openxmlformats.org/drawingml/2006/main" xmlns:p="http://schemas.openxmlformats.org/presentationml/2006/main" xmlns:r="http://schemas.openxmlformats.org/officeDocument/2006/relationships" preserve="1" type="obj">
+<p:sldLayout xmlns:a="http://schemas.openxmlformats.org/drawingml/2006/main" xmlns:r="http://schemas.openxmlformats.org/officeDocument/2006/relationships" xmlns:p="http://schemas.openxmlformats.org/presentationml/2006/main" type="obj" preserve="1">
   <p:cSld name="Title, Content">
     <p:spTree>
       <p:nvGrpSpPr>
@@ -1623,7 +1813,8 @@
           </a:prstGeom>
         </p:spPr>
         <p:txBody>
-          <a:bodyPr anchor="ctr" bIns="0" lIns="0" rIns="0" tIns="0" wrap="none"/>
+          <a:bodyPr wrap="none" lIns="0" tIns="0" rIns="0" bIns="0" anchor="ctr"/>
+          <a:lstStyle/>
           <a:p>
             <a:pPr algn="ctr"/>
             <a:endParaRPr/>
@@ -1650,7 +1841,8 @@
           </a:prstGeom>
         </p:spPr>
         <p:txBody>
-          <a:bodyPr bIns="0" lIns="0" rIns="0" tIns="0" wrap="none"/>
+          <a:bodyPr wrap="none" lIns="0" tIns="0" rIns="0" bIns="0"/>
+          <a:lstStyle/>
           <a:p>
             <a:endParaRPr/>
           </a:p>
@@ -1658,11 +1850,14 @@
       </p:sp>
     </p:spTree>
   </p:cSld>
+  <p:clrMapOvr>
+    <a:masterClrMapping/>
+  </p:clrMapOvr>
 </p:sldLayout>
 </file>
 
 <file path=ppt/slideLayouts/slideLayout4.xml><?xml version="1.0" encoding="utf-8"?>
-<p:sldLayout xmlns:a="http://schemas.openxmlformats.org/drawingml/2006/main" xmlns:p="http://schemas.openxmlformats.org/presentationml/2006/main" xmlns:r="http://schemas.openxmlformats.org/officeDocument/2006/relationships" preserve="1" type="twoObj">
+<p:sldLayout xmlns:a="http://schemas.openxmlformats.org/drawingml/2006/main" xmlns:r="http://schemas.openxmlformats.org/officeDocument/2006/relationships" xmlns:p="http://schemas.openxmlformats.org/presentationml/2006/main" type="twoObj" preserve="1">
   <p:cSld name="Title, 2 Content">
     <p:spTree>
       <p:nvGrpSpPr>
@@ -1698,7 +1893,8 @@
           </a:prstGeom>
         </p:spPr>
         <p:txBody>
-          <a:bodyPr anchor="ctr" bIns="0" lIns="0" rIns="0" tIns="0" wrap="none"/>
+          <a:bodyPr wrap="none" lIns="0" tIns="0" rIns="0" bIns="0" anchor="ctr"/>
+          <a:lstStyle/>
           <a:p>
             <a:pPr algn="ctr"/>
             <a:endParaRPr/>
@@ -1725,7 +1921,8 @@
           </a:prstGeom>
         </p:spPr>
         <p:txBody>
-          <a:bodyPr bIns="0" lIns="0" rIns="0" tIns="0" wrap="none"/>
+          <a:bodyPr wrap="none" lIns="0" tIns="0" rIns="0" bIns="0"/>
+          <a:lstStyle/>
           <a:p>
             <a:endParaRPr/>
           </a:p>
@@ -1751,7 +1948,8 @@
           </a:prstGeom>
         </p:spPr>
         <p:txBody>
-          <a:bodyPr bIns="0" lIns="0" rIns="0" tIns="0" wrap="none"/>
+          <a:bodyPr wrap="none" lIns="0" tIns="0" rIns="0" bIns="0"/>
+          <a:lstStyle/>
           <a:p>
             <a:endParaRPr/>
           </a:p>
@@ -1759,11 +1957,14 @@
       </p:sp>
     </p:spTree>
   </p:cSld>
+  <p:clrMapOvr>
+    <a:masterClrMapping/>
+  </p:clrMapOvr>
 </p:sldLayout>
 </file>
 
 <file path=ppt/slideLayouts/slideLayout5.xml><?xml version="1.0" encoding="utf-8"?>
-<p:sldLayout xmlns:a="http://schemas.openxmlformats.org/drawingml/2006/main" xmlns:p="http://schemas.openxmlformats.org/presentationml/2006/main" xmlns:r="http://schemas.openxmlformats.org/officeDocument/2006/relationships" preserve="1" type="titleOnly">
+<p:sldLayout xmlns:a="http://schemas.openxmlformats.org/drawingml/2006/main" xmlns:r="http://schemas.openxmlformats.org/officeDocument/2006/relationships" xmlns:p="http://schemas.openxmlformats.org/presentationml/2006/main" type="titleOnly" preserve="1">
   <p:cSld name="Title Only">
     <p:spTree>
       <p:nvGrpSpPr>
@@ -1799,7 +2000,8 @@
           </a:prstGeom>
         </p:spPr>
         <p:txBody>
-          <a:bodyPr anchor="ctr" bIns="0" lIns="0" rIns="0" tIns="0" wrap="none"/>
+          <a:bodyPr wrap="none" lIns="0" tIns="0" rIns="0" bIns="0" anchor="ctr"/>
+          <a:lstStyle/>
           <a:p>
             <a:pPr algn="ctr"/>
             <a:endParaRPr/>
@@ -1808,11 +2010,14 @@
       </p:sp>
     </p:spTree>
   </p:cSld>
+  <p:clrMapOvr>
+    <a:masterClrMapping/>
+  </p:clrMapOvr>
 </p:sldLayout>
 </file>
 
 <file path=ppt/slideLayouts/slideLayout6.xml><?xml version="1.0" encoding="utf-8"?>
-<p:sldLayout xmlns:a="http://schemas.openxmlformats.org/drawingml/2006/main" xmlns:p="http://schemas.openxmlformats.org/presentationml/2006/main" xmlns:r="http://schemas.openxmlformats.org/officeDocument/2006/relationships" preserve="1" type="objOnly">
+<p:sldLayout xmlns:a="http://schemas.openxmlformats.org/drawingml/2006/main" xmlns:r="http://schemas.openxmlformats.org/officeDocument/2006/relationships" xmlns:p="http://schemas.openxmlformats.org/presentationml/2006/main" type="objOnly" preserve="1">
   <p:cSld name="Centered Text">
     <p:spTree>
       <p:nvGrpSpPr>
@@ -1848,7 +2053,8 @@
           </a:prstGeom>
         </p:spPr>
         <p:txBody>
-          <a:bodyPr anchor="ctr" bIns="0" lIns="0" rIns="0" tIns="0" wrap="none"/>
+          <a:bodyPr wrap="none" lIns="0" tIns="0" rIns="0" bIns="0" anchor="ctr"/>
+          <a:lstStyle/>
           <a:p>
             <a:pPr algn="ctr"/>
             <a:endParaRPr/>
@@ -1857,11 +2063,14 @@
       </p:sp>
     </p:spTree>
   </p:cSld>
+  <p:clrMapOvr>
+    <a:masterClrMapping/>
+  </p:clrMapOvr>
 </p:sldLayout>
 </file>
 
 <file path=ppt/slideLayouts/slideLayout7.xml><?xml version="1.0" encoding="utf-8"?>
-<p:sldLayout xmlns:a="http://schemas.openxmlformats.org/drawingml/2006/main" xmlns:p="http://schemas.openxmlformats.org/presentationml/2006/main" xmlns:r="http://schemas.openxmlformats.org/officeDocument/2006/relationships" preserve="1" type="twoObjAndObj">
+<p:sldLayout xmlns:a="http://schemas.openxmlformats.org/drawingml/2006/main" xmlns:r="http://schemas.openxmlformats.org/officeDocument/2006/relationships" xmlns:p="http://schemas.openxmlformats.org/presentationml/2006/main" type="twoObjAndObj" preserve="1">
   <p:cSld name="Title, 2 Content and Content">
     <p:spTree>
       <p:nvGrpSpPr>
@@ -1897,7 +2106,8 @@
           </a:prstGeom>
         </p:spPr>
         <p:txBody>
-          <a:bodyPr anchor="ctr" bIns="0" lIns="0" rIns="0" tIns="0" wrap="none"/>
+          <a:bodyPr wrap="none" lIns="0" tIns="0" rIns="0" bIns="0" anchor="ctr"/>
+          <a:lstStyle/>
           <a:p>
             <a:pPr algn="ctr"/>
             <a:endParaRPr/>
@@ -1924,7 +2134,8 @@
           </a:prstGeom>
         </p:spPr>
         <p:txBody>
-          <a:bodyPr bIns="0" lIns="0" rIns="0" tIns="0" wrap="none"/>
+          <a:bodyPr wrap="none" lIns="0" tIns="0" rIns="0" bIns="0"/>
+          <a:lstStyle/>
           <a:p>
             <a:endParaRPr/>
           </a:p>
@@ -1950,7 +2161,8 @@
           </a:prstGeom>
         </p:spPr>
         <p:txBody>
-          <a:bodyPr bIns="0" lIns="0" rIns="0" tIns="0" wrap="none"/>
+          <a:bodyPr wrap="none" lIns="0" tIns="0" rIns="0" bIns="0"/>
+          <a:lstStyle/>
           <a:p>
             <a:endParaRPr/>
           </a:p>
@@ -1976,7 +2188,8 @@
           </a:prstGeom>
         </p:spPr>
         <p:txBody>
-          <a:bodyPr bIns="0" lIns="0" rIns="0" tIns="0" wrap="none"/>
+          <a:bodyPr wrap="none" lIns="0" tIns="0" rIns="0" bIns="0"/>
+          <a:lstStyle/>
           <a:p>
             <a:endParaRPr/>
           </a:p>
@@ -1984,11 +2197,14 @@
       </p:sp>
     </p:spTree>
   </p:cSld>
+  <p:clrMapOvr>
+    <a:masterClrMapping/>
+  </p:clrMapOvr>
 </p:sldLayout>
 </file>
 
 <file path=ppt/slideLayouts/slideLayout8.xml><?xml version="1.0" encoding="utf-8"?>
-<p:sldLayout xmlns:a="http://schemas.openxmlformats.org/drawingml/2006/main" xmlns:p="http://schemas.openxmlformats.org/presentationml/2006/main" xmlns:r="http://schemas.openxmlformats.org/officeDocument/2006/relationships" preserve="1" type="objAndTwoObj">
+<p:sldLayout xmlns:a="http://schemas.openxmlformats.org/drawingml/2006/main" xmlns:r="http://schemas.openxmlformats.org/officeDocument/2006/relationships" xmlns:p="http://schemas.openxmlformats.org/presentationml/2006/main" type="objAndTwoObj" preserve="1">
   <p:cSld name="Title Content and 2 Content">
     <p:spTree>
       <p:nvGrpSpPr>
@@ -2024,7 +2240,8 @@
           </a:prstGeom>
         </p:spPr>
         <p:txBody>
-          <a:bodyPr anchor="ctr" bIns="0" lIns="0" rIns="0" tIns="0" wrap="none"/>
+          <a:bodyPr wrap="none" lIns="0" tIns="0" rIns="0" bIns="0" anchor="ctr"/>
+          <a:lstStyle/>
           <a:p>
             <a:pPr algn="ctr"/>
             <a:endParaRPr/>
@@ -2051,7 +2268,8 @@
           </a:prstGeom>
         </p:spPr>
         <p:txBody>
-          <a:bodyPr bIns="0" lIns="0" rIns="0" tIns="0" wrap="none"/>
+          <a:bodyPr wrap="none" lIns="0" tIns="0" rIns="0" bIns="0"/>
+          <a:lstStyle/>
           <a:p>
             <a:endParaRPr/>
           </a:p>
@@ -2077,7 +2295,8 @@
           </a:prstGeom>
         </p:spPr>
         <p:txBody>
-          <a:bodyPr bIns="0" lIns="0" rIns="0" tIns="0" wrap="none"/>
+          <a:bodyPr wrap="none" lIns="0" tIns="0" rIns="0" bIns="0"/>
+          <a:lstStyle/>
           <a:p>
             <a:endParaRPr/>
           </a:p>
@@ -2103,7 +2322,8 @@
           </a:prstGeom>
         </p:spPr>
         <p:txBody>
-          <a:bodyPr bIns="0" lIns="0" rIns="0" tIns="0" wrap="none"/>
+          <a:bodyPr wrap="none" lIns="0" tIns="0" rIns="0" bIns="0"/>
+          <a:lstStyle/>
           <a:p>
             <a:endParaRPr/>
           </a:p>
@@ -2111,11 +2331,14 @@
       </p:sp>
     </p:spTree>
   </p:cSld>
+  <p:clrMapOvr>
+    <a:masterClrMapping/>
+  </p:clrMapOvr>
 </p:sldLayout>
 </file>
 
 <file path=ppt/slideLayouts/slideLayout9.xml><?xml version="1.0" encoding="utf-8"?>
-<p:sldLayout xmlns:a="http://schemas.openxmlformats.org/drawingml/2006/main" xmlns:p="http://schemas.openxmlformats.org/presentationml/2006/main" xmlns:r="http://schemas.openxmlformats.org/officeDocument/2006/relationships" preserve="1" type="twoObjOverTx">
+<p:sldLayout xmlns:a="http://schemas.openxmlformats.org/drawingml/2006/main" xmlns:r="http://schemas.openxmlformats.org/officeDocument/2006/relationships" xmlns:p="http://schemas.openxmlformats.org/presentationml/2006/main" type="twoObjOverTx" preserve="1">
   <p:cSld name="Title, 2 Content over Content">
     <p:spTree>
       <p:nvGrpSpPr>
@@ -2151,7 +2374,8 @@
           </a:prstGeom>
         </p:spPr>
         <p:txBody>
-          <a:bodyPr anchor="ctr" bIns="0" lIns="0" rIns="0" tIns="0" wrap="none"/>
+          <a:bodyPr wrap="none" lIns="0" tIns="0" rIns="0" bIns="0" anchor="ctr"/>
+          <a:lstStyle/>
           <a:p>
             <a:pPr algn="ctr"/>
             <a:endParaRPr/>
@@ -2178,7 +2402,8 @@
           </a:prstGeom>
         </p:spPr>
         <p:txBody>
-          <a:bodyPr bIns="0" lIns="0" rIns="0" tIns="0" wrap="none"/>
+          <a:bodyPr wrap="none" lIns="0" tIns="0" rIns="0" bIns="0"/>
+          <a:lstStyle/>
           <a:p>
             <a:endParaRPr/>
           </a:p>
@@ -2204,7 +2429,8 @@
           </a:prstGeom>
         </p:spPr>
         <p:txBody>
-          <a:bodyPr bIns="0" lIns="0" rIns="0" tIns="0" wrap="none"/>
+          <a:bodyPr wrap="none" lIns="0" tIns="0" rIns="0" bIns="0"/>
+          <a:lstStyle/>
           <a:p>
             <a:endParaRPr/>
           </a:p>
@@ -2230,7 +2456,8 @@
           </a:prstGeom>
         </p:spPr>
         <p:txBody>
-          <a:bodyPr bIns="0" lIns="0" rIns="0" tIns="0" wrap="none"/>
+          <a:bodyPr wrap="none" lIns="0" tIns="0" rIns="0" bIns="0"/>
+          <a:lstStyle/>
           <a:p>
             <a:endParaRPr/>
           </a:p>
@@ -2238,17 +2465,21 @@
       </p:sp>
     </p:spTree>
   </p:cSld>
+  <p:clrMapOvr>
+    <a:masterClrMapping/>
+  </p:clrMapOvr>
 </p:sldLayout>
 </file>
 
 <file path=ppt/slideMasters/slideMaster1.xml><?xml version="1.0" encoding="utf-8"?>
-<p:sldMaster xmlns:a="http://schemas.openxmlformats.org/drawingml/2006/main" xmlns:p="http://schemas.openxmlformats.org/presentationml/2006/main" xmlns:r="http://schemas.openxmlformats.org/officeDocument/2006/relationships">
+<p:sldMaster xmlns:a="http://schemas.openxmlformats.org/drawingml/2006/main" xmlns:r="http://schemas.openxmlformats.org/officeDocument/2006/relationships" xmlns:p="http://schemas.openxmlformats.org/presentationml/2006/main">
   <p:cSld>
     <p:bg>
       <p:bgPr>
         <a:blipFill>
-          <a:blip r:embed="rId2"/>
+          <a:blip r:embed="rId14"/>
         </a:blipFill>
+        <a:effectLst/>
       </p:bgPr>
     </p:bg>
     <p:spTree>
@@ -2267,7 +2498,7 @@
       </p:grpSpPr>
       <p:sp>
         <p:nvSpPr>
-          <p:cNvPr id="0" name="PlaceHolder 1"/>
+          <p:cNvPr id="2" name="PlaceHolder 1"/>
           <p:cNvSpPr>
             <a:spLocks noGrp="1"/>
           </p:cNvSpPr>
@@ -2285,7 +2516,8 @@
           </a:prstGeom>
         </p:spPr>
         <p:txBody>
-          <a:bodyPr anchor="ctr" bIns="0" lIns="0" rIns="0" tIns="0" wrap="none"/>
+          <a:bodyPr wrap="none" lIns="0" tIns="0" rIns="0" bIns="0" anchor="ctr"/>
+          <a:lstStyle/>
           <a:p>
             <a:pPr algn="ctr"/>
             <a:r>
@@ -2298,7 +2530,7 @@
       </p:sp>
       <p:sp>
         <p:nvSpPr>
-          <p:cNvPr id="1" name="PlaceHolder 2"/>
+          <p:cNvPr id="3" name="PlaceHolder 2"/>
           <p:cNvSpPr>
             <a:spLocks noGrp="1"/>
           </p:cNvSpPr>
@@ -2316,7 +2548,8 @@
           </a:prstGeom>
         </p:spPr>
         <p:txBody>
-          <a:bodyPr bIns="0" lIns="0" rIns="0" tIns="0" wrap="none"/>
+          <a:bodyPr wrap="none" lIns="0" tIns="0" rIns="0" bIns="0"/>
+          <a:lstStyle/>
           <a:p>
             <a:pPr>
               <a:buSzPct val="45000"/>
@@ -2405,32 +2638,38 @@
       </p:sp>
     </p:spTree>
   </p:cSld>
-  <p:clrMap accent1="accent1" accent2="accent2" accent3="accent3" accent4="accent4" accent5="accent5" accent6="accent6" bg1="lt1" bg2="lt2" folHlink="folHlink" hlink="hlink" tx1="dk1" tx2="dk2"/>
+  <p:clrMap bg1="lt1" tx1="dk1" bg2="lt2" tx2="dk2" accent1="accent1" accent2="accent2" accent3="accent3" accent4="accent4" accent5="accent5" accent6="accent6" hlink="hlink" folHlink="folHlink"/>
   <p:sldLayoutIdLst>
-    <p:sldLayoutId id="2147483649" r:id="rId3"/>
-    <p:sldLayoutId id="2147483650" r:id="rId4"/>
-    <p:sldLayoutId id="2147483651" r:id="rId5"/>
-    <p:sldLayoutId id="2147483652" r:id="rId6"/>
-    <p:sldLayoutId id="2147483653" r:id="rId7"/>
-    <p:sldLayoutId id="2147483654" r:id="rId8"/>
-    <p:sldLayoutId id="2147483655" r:id="rId9"/>
-    <p:sldLayoutId id="2147483656" r:id="rId10"/>
-    <p:sldLayoutId id="2147483657" r:id="rId11"/>
-    <p:sldLayoutId id="2147483658" r:id="rId12"/>
-    <p:sldLayoutId id="2147483659" r:id="rId13"/>
-    <p:sldLayoutId id="2147483660" r:id="rId14"/>
+    <p:sldLayoutId id="2147483649" r:id="rId1"/>
+    <p:sldLayoutId id="2147483650" r:id="rId2"/>
+    <p:sldLayoutId id="2147483651" r:id="rId3"/>
+    <p:sldLayoutId id="2147483652" r:id="rId4"/>
+    <p:sldLayoutId id="2147483653" r:id="rId5"/>
+    <p:sldLayoutId id="2147483654" r:id="rId6"/>
+    <p:sldLayoutId id="2147483655" r:id="rId7"/>
+    <p:sldLayoutId id="2147483656" r:id="rId8"/>
+    <p:sldLayoutId id="2147483657" r:id="rId9"/>
+    <p:sldLayoutId id="2147483658" r:id="rId10"/>
+    <p:sldLayoutId id="2147483659" r:id="rId11"/>
+    <p:sldLayoutId id="2147483660" r:id="rId12"/>
   </p:sldLayoutIdLst>
+  <p:txStyles>
+    <p:titleStyle/>
+    <p:bodyStyle/>
+    <p:otherStyle/>
+  </p:txStyles>
 </p:sldMaster>
 </file>
 
 <file path=ppt/slideMasters/slideMaster2.xml><?xml version="1.0" encoding="utf-8"?>
-<p:sldMaster xmlns:a="http://schemas.openxmlformats.org/drawingml/2006/main" xmlns:p="http://schemas.openxmlformats.org/presentationml/2006/main" xmlns:r="http://schemas.openxmlformats.org/officeDocument/2006/relationships">
+<p:sldMaster xmlns:a="http://schemas.openxmlformats.org/drawingml/2006/main" xmlns:r="http://schemas.openxmlformats.org/officeDocument/2006/relationships" xmlns:p="http://schemas.openxmlformats.org/presentationml/2006/main">
   <p:cSld>
     <p:bg>
       <p:bgPr>
         <a:blipFill>
-          <a:blip r:embed="rId2"/>
+          <a:blip r:embed="rId14"/>
         </a:blipFill>
+        <a:effectLst/>
       </p:bgPr>
     </p:bg>
     <p:spTree>
@@ -2467,7 +2706,8 @@
           </a:prstGeom>
         </p:spPr>
         <p:txBody>
-          <a:bodyPr anchor="ctr" bIns="0" lIns="0" rIns="0" tIns="0" wrap="none"/>
+          <a:bodyPr wrap="none" lIns="0" tIns="0" rIns="0" bIns="0" anchor="ctr"/>
+          <a:lstStyle/>
           <a:p>
             <a:pPr algn="ctr"/>
             <a:r>
@@ -2498,7 +2738,8 @@
           </a:prstGeom>
         </p:spPr>
         <p:txBody>
-          <a:bodyPr bIns="0" lIns="0" rIns="0" tIns="0" wrap="none"/>
+          <a:bodyPr wrap="none" lIns="0" tIns="0" rIns="0" bIns="0"/>
+          <a:lstStyle/>
           <a:p>
             <a:pPr>
               <a:buSzPct val="45000"/>
@@ -2587,26 +2828,31 @@
       </p:sp>
     </p:spTree>
   </p:cSld>
-  <p:clrMap accent1="accent1" accent2="accent2" accent3="accent3" accent4="accent4" accent5="accent5" accent6="accent6" bg1="lt1" bg2="lt2" folHlink="folHlink" hlink="hlink" tx1="dk1" tx2="dk2"/>
+  <p:clrMap bg1="lt1" tx1="dk1" bg2="lt2" tx2="dk2" accent1="accent1" accent2="accent2" accent3="accent3" accent4="accent4" accent5="accent5" accent6="accent6" hlink="hlink" folHlink="folHlink"/>
   <p:sldLayoutIdLst>
-    <p:sldLayoutId id="2147483662" r:id="rId3"/>
-    <p:sldLayoutId id="2147483663" r:id="rId4"/>
-    <p:sldLayoutId id="2147483664" r:id="rId5"/>
-    <p:sldLayoutId id="2147483665" r:id="rId6"/>
-    <p:sldLayoutId id="2147483666" r:id="rId7"/>
-    <p:sldLayoutId id="2147483667" r:id="rId8"/>
-    <p:sldLayoutId id="2147483668" r:id="rId9"/>
-    <p:sldLayoutId id="2147483669" r:id="rId10"/>
-    <p:sldLayoutId id="2147483670" r:id="rId11"/>
-    <p:sldLayoutId id="2147483671" r:id="rId12"/>
-    <p:sldLayoutId id="2147483672" r:id="rId13"/>
-    <p:sldLayoutId id="2147483673" r:id="rId14"/>
+    <p:sldLayoutId id="2147483662" r:id="rId1"/>
+    <p:sldLayoutId id="2147483663" r:id="rId2"/>
+    <p:sldLayoutId id="2147483664" r:id="rId3"/>
+    <p:sldLayoutId id="2147483665" r:id="rId4"/>
+    <p:sldLayoutId id="2147483666" r:id="rId5"/>
+    <p:sldLayoutId id="2147483667" r:id="rId6"/>
+    <p:sldLayoutId id="2147483668" r:id="rId7"/>
+    <p:sldLayoutId id="2147483669" r:id="rId8"/>
+    <p:sldLayoutId id="2147483670" r:id="rId9"/>
+    <p:sldLayoutId id="2147483671" r:id="rId10"/>
+    <p:sldLayoutId id="2147483672" r:id="rId11"/>
+    <p:sldLayoutId id="2147483673" r:id="rId12"/>
   </p:sldLayoutIdLst>
+  <p:txStyles>
+    <p:titleStyle/>
+    <p:bodyStyle/>
+    <p:otherStyle/>
+  </p:txStyles>
 </p:sldMaster>
 </file>
 
 <file path=ppt/slides/slide1.xml><?xml version="1.0" encoding="utf-8"?>
-<p:sld xmlns:a="http://schemas.openxmlformats.org/drawingml/2006/main" xmlns:p="http://schemas.openxmlformats.org/presentationml/2006/main" xmlns:r="http://schemas.openxmlformats.org/officeDocument/2006/relationships">
+<p:sld xmlns:a="http://schemas.openxmlformats.org/drawingml/2006/main" xmlns:r="http://schemas.openxmlformats.org/officeDocument/2006/relationships" xmlns:p="http://schemas.openxmlformats.org/presentationml/2006/main">
   <p:cSld>
     <p:spTree>
       <p:nvGrpSpPr>
@@ -2654,7 +2900,8 @@
           </a:prstGeom>
         </p:spPr>
         <p:txBody>
-          <a:bodyPr anchor="ctr" bIns="0" lIns="0" rIns="0" tIns="0" wrap="none"/>
+          <a:bodyPr wrap="none" lIns="0" tIns="0" rIns="0" bIns="0" anchor="ctr"/>
+          <a:lstStyle/>
           <a:p>
             <a:pPr algn="ctr">
               <a:lnSpc>
@@ -2662,12 +2909,12 @@
               </a:lnSpc>
             </a:pPr>
             <a:r>
-              <a:rPr lang="es-MX" sz="4400">
+              <a:rPr lang="es-MX" sz="4400" dirty="0" smtClean="0">
                 <a:latin typeface="Calibri"/>
               </a:rPr>
-              <a:t>Seguimiento de proyecto</a:t>
-            </a:r>
-            <a:endParaRPr/>
+              <a:t>Reporte de Monitoreo</a:t>
+            </a:r>
+            <a:endParaRPr dirty="0"/>
           </a:p>
         </p:txBody>
       </p:sp>
@@ -2687,14 +2934,15 @@
           </a:prstGeom>
         </p:spPr>
         <p:txBody>
-          <a:bodyPr bIns="0" lIns="0" rIns="0" tIns="0" wrap="none"/>
+          <a:bodyPr wrap="none" lIns="0" tIns="0" rIns="0" bIns="0"/>
+          <a:lstStyle/>
           <a:p>
             <a:pPr>
               <a:lnSpc>
                 <a:spcPct val="100000"/>
               </a:lnSpc>
             </a:pPr>
-            <a:endParaRPr/>
+            <a:endParaRPr dirty="0"/>
           </a:p>
           <a:p>
             <a:pPr>
@@ -2703,33 +2951,24 @@
               </a:lnSpc>
             </a:pPr>
             <a:r>
-              <a:rPr lang="es-MX" sz="3200">
+              <a:rPr lang="es-MX" sz="3200" dirty="0">
                 <a:solidFill>
-                  <a:srgbClr val="8b8b8b"/>
+                  <a:srgbClr val="8B8B8B"/>
                 </a:solidFill>
                 <a:latin typeface="Calibri"/>
               </a:rPr>
-              <a:t>	</a:t>
-            </a:r>
-            <a:r>
-              <a:rPr lang="es-MX" sz="3200">
+              <a:t>		</a:t>
+            </a:r>
+            <a:r>
+              <a:rPr lang="es-MX" sz="3200" dirty="0" smtClean="0">
                 <a:solidFill>
-                  <a:srgbClr val="8b8b8b"/>
+                  <a:srgbClr val="8B8B8B"/>
                 </a:solidFill>
                 <a:latin typeface="Calibri"/>
               </a:rPr>
-              <a:t>	</a:t>
-            </a:r>
-            <a:r>
-              <a:rPr lang="es-MX" sz="3200">
-                <a:solidFill>
-                  <a:srgbClr val="8b8b8b"/>
-                </a:solidFill>
-                <a:latin typeface="Calibri"/>
-              </a:rPr>
-              <a:t>&lt;Nombre del proyecto&gt;</a:t>
-            </a:r>
-            <a:endParaRPr/>
+              <a:t>&lt;Periodo&gt;</a:t>
+            </a:r>
+            <a:endParaRPr dirty="0"/>
           </a:p>
           <a:p>
             <a:pPr>
@@ -2738,56 +2977,81 @@
               </a:lnSpc>
             </a:pPr>
             <a:r>
-              <a:rPr lang="es-MX" sz="3200">
+              <a:rPr lang="es-MX" sz="3200" dirty="0">
                 <a:solidFill>
-                  <a:srgbClr val="8b8b8b"/>
+                  <a:srgbClr val="8B8B8B"/>
                 </a:solidFill>
                 <a:latin typeface="Calibri"/>
               </a:rPr>
-              <a:t>	</a:t>
-            </a:r>
-            <a:r>
-              <a:rPr lang="es-MX" sz="3200">
+              <a:t>		&lt;</a:t>
+            </a:r>
+            <a:r>
+              <a:rPr lang="es-MX" sz="3200" dirty="0" err="1">
                 <a:solidFill>
-                  <a:srgbClr val="8b8b8b"/>
+                  <a:srgbClr val="8B8B8B"/>
                 </a:solidFill>
                 <a:latin typeface="Calibri"/>
               </a:rPr>
-              <a:t>	</a:t>
-            </a:r>
-            <a:r>
-              <a:rPr lang="es-MX" sz="3200">
+              <a:t>dd</a:t>
+            </a:r>
+            <a:r>
+              <a:rPr lang="es-MX" sz="3200" dirty="0">
                 <a:solidFill>
-                  <a:srgbClr val="8b8b8b"/>
+                  <a:srgbClr val="8B8B8B"/>
                 </a:solidFill>
                 <a:latin typeface="Calibri"/>
               </a:rPr>
-              <a:t>&lt;dd/mm/aaaa&gt;</a:t>
-            </a:r>
-            <a:endParaRPr/>
+              <a:t>/mm/</a:t>
+            </a:r>
+            <a:r>
+              <a:rPr lang="es-MX" sz="3200" dirty="0" err="1">
+                <a:solidFill>
+                  <a:srgbClr val="8B8B8B"/>
+                </a:solidFill>
+                <a:latin typeface="Calibri"/>
+              </a:rPr>
+              <a:t>aaaa</a:t>
+            </a:r>
+            <a:r>
+              <a:rPr lang="es-MX" sz="3200" dirty="0">
+                <a:solidFill>
+                  <a:srgbClr val="8B8B8B"/>
+                </a:solidFill>
+                <a:latin typeface="Calibri"/>
+              </a:rPr>
+              <a:t>&gt;</a:t>
+            </a:r>
+            <a:endParaRPr dirty="0"/>
           </a:p>
         </p:txBody>
       </p:sp>
     </p:spTree>
   </p:cSld>
+  <p:clrMapOvr>
+    <a:masterClrMapping/>
+  </p:clrMapOvr>
   <p:timing>
     <p:tnLst>
       <p:par>
-        <p:cTn dur="indefinite" id="1" nodeType="tmRoot" restart="never">
+        <p:cTn id="1" dur="indefinite" restart="never" nodeType="tmRoot">
           <p:childTnLst>
             <p:seq>
               <p:cTn id="2" nodeType="mainSeq">
-                <p:childTnLst/>
+                <p:childTnLst>
+                  <p:par>
+                    <p:cTn id="3"/>
+                  </p:par>
+                </p:childTnLst>
               </p:cTn>
               <p:prevCondLst>
-                <p:cond delay="0" evt="onPrev">
+                <p:cond evt="onPrev" delay="0">
                   <p:tgtEl>
                     <p:sldTgt/>
                   </p:tgtEl>
                 </p:cond>
               </p:prevCondLst>
               <p:nextCondLst>
-                <p:cond delay="0" evt="onNext">
+                <p:cond evt="onNext" delay="0">
                   <p:tgtEl>
                     <p:sldTgt/>
                   </p:tgtEl>
@@ -2803,7 +3067,7 @@
 </file>
 
 <file path=ppt/slides/slide10.xml><?xml version="1.0" encoding="utf-8"?>
-<p:sld xmlns:a="http://schemas.openxmlformats.org/drawingml/2006/main" xmlns:p="http://schemas.openxmlformats.org/presentationml/2006/main" xmlns:r="http://schemas.openxmlformats.org/officeDocument/2006/relationships">
+<p:sld xmlns:a="http://schemas.openxmlformats.org/drawingml/2006/main" xmlns:r="http://schemas.openxmlformats.org/officeDocument/2006/relationships" xmlns:p="http://schemas.openxmlformats.org/presentationml/2006/main">
   <p:cSld>
     <p:spTree>
       <p:nvGrpSpPr>
@@ -2821,7 +3085,7 @@
       </p:grpSpPr>
       <p:sp>
         <p:nvSpPr>
-          <p:cNvPr id="87" name="CustomShape 1"/>
+          <p:cNvPr id="91" name="CustomShape 1"/>
           <p:cNvSpPr/>
           <p:nvPr/>
         </p:nvSpPr>
@@ -2835,7 +3099,8 @@
           </a:prstGeom>
         </p:spPr>
         <p:txBody>
-          <a:bodyPr anchor="ctr" bIns="45000" lIns="90000" rIns="90000" tIns="45000"/>
+          <a:bodyPr lIns="90000" tIns="45000" rIns="90000" bIns="45000" anchor="ctr"/>
+          <a:lstStyle/>
           <a:p>
             <a:pPr algn="ctr">
               <a:lnSpc>
@@ -2843,21 +3108,21 @@
               </a:lnSpc>
             </a:pPr>
             <a:r>
-              <a:rPr lang="es-MX" sz="4400">
+              <a:rPr lang="es-MX" sz="4400" dirty="0" smtClean="0">
                 <a:solidFill>
                   <a:srgbClr val="000000"/>
                 </a:solidFill>
                 <a:latin typeface="Calibri"/>
               </a:rPr>
-              <a:t>Auditorías a productos</a:t>
-            </a:r>
-            <a:endParaRPr/>
-          </a:p>
-        </p:txBody>
-      </p:sp>
-      <p:sp>
-        <p:nvSpPr>
-          <p:cNvPr id="88" name="CustomShape 2"/>
+              <a:t>Índice de Satisfacción</a:t>
+            </a:r>
+            <a:endParaRPr dirty="0"/>
+          </a:p>
+        </p:txBody>
+      </p:sp>
+      <p:sp>
+        <p:nvSpPr>
+          <p:cNvPr id="92" name="CustomShape 2"/>
           <p:cNvSpPr/>
           <p:nvPr/>
         </p:nvSpPr>
@@ -2871,7 +3136,8 @@
           </a:prstGeom>
         </p:spPr>
         <p:txBody>
-          <a:bodyPr bIns="45000" lIns="90000" rIns="90000" tIns="45000"/>
+          <a:bodyPr lIns="90000" tIns="45000" rIns="90000" bIns="45000"/>
+          <a:lstStyle/>
           <a:p>
             <a:pPr>
               <a:lnSpc>
@@ -2881,7 +3147,7 @@
               <a:buChar char="•"/>
             </a:pPr>
             <a:r>
-              <a:rPr lang="es-MX" sz="3200">
+              <a:rPr lang="es-MX" sz="3200" dirty="0">
                 <a:solidFill>
                   <a:srgbClr val="000000"/>
                 </a:solidFill>
@@ -2889,7 +3155,7 @@
               </a:rPr>
               <a:t>&lt;Tabla y/o muestra gráfica&gt;</a:t>
             </a:r>
-            <a:endParaRPr/>
+            <a:endParaRPr lang="es-MX" sz="3200" dirty="0"/>
           </a:p>
           <a:p>
             <a:pPr>
@@ -2900,38 +3166,45 @@
               <a:buChar char="•"/>
             </a:pPr>
             <a:r>
-              <a:rPr lang="es-MX" sz="3200">
+              <a:rPr lang="es-MX" sz="3200" dirty="0">
                 <a:solidFill>
                   <a:srgbClr val="000000"/>
                 </a:solidFill>
                 <a:latin typeface="Calibri"/>
               </a:rPr>
-              <a:t>&lt;Breve análisis de los resultados&gt;</a:t>
-            </a:r>
-            <a:endParaRPr/>
+              <a:t>&lt;Se deberá documentar el análisis realizado de acuerdo a las guías de análisis definidas en el plan de métricas &gt;</a:t>
+            </a:r>
+            <a:endParaRPr lang="es-MX" sz="3200" dirty="0"/>
           </a:p>
         </p:txBody>
       </p:sp>
     </p:spTree>
   </p:cSld>
+  <p:clrMapOvr>
+    <a:masterClrMapping/>
+  </p:clrMapOvr>
   <p:timing>
     <p:tnLst>
       <p:par>
-        <p:cTn dur="indefinite" id="19" nodeType="tmRoot" restart="never">
+        <p:cTn id="1" dur="indefinite" restart="never" nodeType="tmRoot">
           <p:childTnLst>
             <p:seq>
-              <p:cTn id="20" nodeType="mainSeq">
-                <p:childTnLst/>
+              <p:cTn id="2" nodeType="mainSeq">
+                <p:childTnLst>
+                  <p:par>
+                    <p:cTn id="3"/>
+                  </p:par>
+                </p:childTnLst>
               </p:cTn>
               <p:prevCondLst>
-                <p:cond delay="0" evt="onPrev">
+                <p:cond evt="onPrev" delay="0">
                   <p:tgtEl>
                     <p:sldTgt/>
                   </p:tgtEl>
                 </p:cond>
               </p:prevCondLst>
               <p:nextCondLst>
-                <p:cond delay="0" evt="onNext">
+                <p:cond evt="onNext" delay="0">
                   <p:tgtEl>
                     <p:sldTgt/>
                   </p:tgtEl>
@@ -2947,7 +3220,7 @@
 </file>
 
 <file path=ppt/slides/slide11.xml><?xml version="1.0" encoding="utf-8"?>
-<p:sld xmlns:a="http://schemas.openxmlformats.org/drawingml/2006/main" xmlns:p="http://schemas.openxmlformats.org/presentationml/2006/main" xmlns:r="http://schemas.openxmlformats.org/officeDocument/2006/relationships">
+<p:sld xmlns:a="http://schemas.openxmlformats.org/drawingml/2006/main" xmlns:r="http://schemas.openxmlformats.org/officeDocument/2006/relationships" xmlns:p="http://schemas.openxmlformats.org/presentationml/2006/main">
   <p:cSld>
     <p:spTree>
       <p:nvGrpSpPr>
@@ -2965,7 +3238,7 @@
       </p:grpSpPr>
       <p:sp>
         <p:nvSpPr>
-          <p:cNvPr id="89" name="CustomShape 1"/>
+          <p:cNvPr id="91" name="CustomShape 1"/>
           <p:cNvSpPr/>
           <p:nvPr/>
         </p:nvSpPr>
@@ -2979,7 +3252,8 @@
           </a:prstGeom>
         </p:spPr>
         <p:txBody>
-          <a:bodyPr anchor="ctr" bIns="45000" lIns="90000" rIns="90000" tIns="45000"/>
+          <a:bodyPr lIns="90000" tIns="45000" rIns="90000" bIns="45000" anchor="ctr"/>
+          <a:lstStyle/>
           <a:p>
             <a:pPr algn="ctr">
               <a:lnSpc>
@@ -2993,15 +3267,15 @@
                 </a:solidFill>
                 <a:latin typeface="Calibri"/>
               </a:rPr>
-              <a:t>Auditorías a procesos</a:t>
-            </a:r>
-            <a:endParaRPr/>
-          </a:p>
-        </p:txBody>
-      </p:sp>
-      <p:sp>
-        <p:nvSpPr>
-          <p:cNvPr id="90" name="CustomShape 2"/>
+              <a:t>Riesgos</a:t>
+            </a:r>
+            <a:endParaRPr/>
+          </a:p>
+        </p:txBody>
+      </p:sp>
+      <p:sp>
+        <p:nvSpPr>
+          <p:cNvPr id="92" name="CustomShape 2"/>
           <p:cNvSpPr/>
           <p:nvPr/>
         </p:nvSpPr>
@@ -3015,7 +3289,8 @@
           </a:prstGeom>
         </p:spPr>
         <p:txBody>
-          <a:bodyPr bIns="45000" lIns="90000" rIns="90000" tIns="45000"/>
+          <a:bodyPr lIns="90000" tIns="45000" rIns="90000" bIns="45000"/>
+          <a:lstStyle/>
           <a:p>
             <a:pPr>
               <a:lnSpc>
@@ -3031,51 +3306,44 @@
                 </a:solidFill>
                 <a:latin typeface="Calibri"/>
               </a:rPr>
-              <a:t>&lt;Tabla y/o muestra gráfica&gt;</a:t>
-            </a:r>
-            <a:endParaRPr/>
-          </a:p>
-          <a:p>
-            <a:pPr>
-              <a:lnSpc>
-                <a:spcPct val="100000"/>
-              </a:lnSpc>
-              <a:buFont typeface="Arial"/>
-              <a:buChar char="•"/>
-            </a:pPr>
-            <a:r>
-              <a:rPr lang="es-MX" sz="3200">
-                <a:solidFill>
-                  <a:srgbClr val="000000"/>
-                </a:solidFill>
-                <a:latin typeface="Calibri"/>
-              </a:rPr>
-              <a:t>&lt;Breve análisis de los resultados&gt;</a:t>
+              <a:t>&lt;Análisis de riesgos&gt;</a:t>
             </a:r>
             <a:endParaRPr/>
           </a:p>
         </p:txBody>
       </p:sp>
     </p:spTree>
+    <p:extLst>
+      <p:ext uri="{BB962C8B-B14F-4D97-AF65-F5344CB8AC3E}">
+        <p14:creationId xmlns:p14="http://schemas.microsoft.com/office/powerpoint/2010/main" val="136734961"/>
+      </p:ext>
+    </p:extLst>
   </p:cSld>
+  <p:clrMapOvr>
+    <a:masterClrMapping/>
+  </p:clrMapOvr>
   <p:timing>
     <p:tnLst>
       <p:par>
-        <p:cTn dur="indefinite" id="21" nodeType="tmRoot" restart="never">
+        <p:cTn id="1" dur="indefinite" restart="never" nodeType="tmRoot">
           <p:childTnLst>
             <p:seq>
-              <p:cTn id="22" nodeType="mainSeq">
-                <p:childTnLst/>
+              <p:cTn id="2" nodeType="mainSeq">
+                <p:childTnLst>
+                  <p:par>
+                    <p:cTn id="3"/>
+                  </p:par>
+                </p:childTnLst>
               </p:cTn>
               <p:prevCondLst>
-                <p:cond delay="0" evt="onPrev">
+                <p:cond evt="onPrev" delay="0">
                   <p:tgtEl>
                     <p:sldTgt/>
                   </p:tgtEl>
                 </p:cond>
               </p:prevCondLst>
               <p:nextCondLst>
-                <p:cond delay="0" evt="onNext">
+                <p:cond evt="onNext" delay="0">
                   <p:tgtEl>
                     <p:sldTgt/>
                   </p:tgtEl>
@@ -3091,7 +3359,7 @@
 </file>
 
 <file path=ppt/slides/slide12.xml><?xml version="1.0" encoding="utf-8"?>
-<p:sld xmlns:a="http://schemas.openxmlformats.org/drawingml/2006/main" xmlns:p="http://schemas.openxmlformats.org/presentationml/2006/main" xmlns:r="http://schemas.openxmlformats.org/officeDocument/2006/relationships">
+<p:sld xmlns:a="http://schemas.openxmlformats.org/drawingml/2006/main" xmlns:r="http://schemas.openxmlformats.org/officeDocument/2006/relationships" xmlns:p="http://schemas.openxmlformats.org/presentationml/2006/main">
   <p:cSld>
     <p:spTree>
       <p:nvGrpSpPr>
@@ -3109,7 +3377,7 @@
       </p:grpSpPr>
       <p:sp>
         <p:nvSpPr>
-          <p:cNvPr id="91" name="CustomShape 1"/>
+          <p:cNvPr id="93" name="CustomShape 1"/>
           <p:cNvSpPr/>
           <p:nvPr/>
         </p:nvSpPr>
@@ -3123,7 +3391,8 @@
           </a:prstGeom>
         </p:spPr>
         <p:txBody>
-          <a:bodyPr anchor="ctr" bIns="45000" lIns="90000" rIns="90000" tIns="45000"/>
+          <a:bodyPr lIns="90000" tIns="45000" rIns="90000" bIns="45000" anchor="ctr"/>
+          <a:lstStyle/>
           <a:p>
             <a:pPr algn="ctr">
               <a:lnSpc>
@@ -3137,15 +3406,15 @@
                 </a:solidFill>
                 <a:latin typeface="Calibri"/>
               </a:rPr>
-              <a:t>Riesgos</a:t>
-            </a:r>
-            <a:endParaRPr/>
-          </a:p>
-        </p:txBody>
-      </p:sp>
-      <p:sp>
-        <p:nvSpPr>
-          <p:cNvPr id="92" name="CustomShape 2"/>
+              <a:t>Respaldos</a:t>
+            </a:r>
+            <a:endParaRPr/>
+          </a:p>
+        </p:txBody>
+      </p:sp>
+      <p:sp>
+        <p:nvSpPr>
+          <p:cNvPr id="94" name="CustomShape 2"/>
           <p:cNvSpPr/>
           <p:nvPr/>
         </p:nvSpPr>
@@ -3159,7 +3428,8 @@
           </a:prstGeom>
         </p:spPr>
         <p:txBody>
-          <a:bodyPr bIns="45000" lIns="90000" rIns="90000" tIns="45000"/>
+          <a:bodyPr lIns="90000" tIns="45000" rIns="90000" bIns="45000"/>
+          <a:lstStyle/>
           <a:p>
             <a:pPr>
               <a:lnSpc>
@@ -3169,38 +3439,45 @@
               <a:buChar char="•"/>
             </a:pPr>
             <a:r>
-              <a:rPr lang="es-MX" sz="3200">
+              <a:rPr lang="es-MX" sz="3200" dirty="0">
                 <a:solidFill>
                   <a:srgbClr val="000000"/>
                 </a:solidFill>
                 <a:latin typeface="Calibri"/>
               </a:rPr>
-              <a:t>&lt;Análisis de riesgos&gt;</a:t>
-            </a:r>
-            <a:endParaRPr/>
+              <a:t>&lt;Reporte de respaldos semanales&gt;</a:t>
+            </a:r>
+            <a:endParaRPr dirty="0"/>
           </a:p>
         </p:txBody>
       </p:sp>
     </p:spTree>
   </p:cSld>
+  <p:clrMapOvr>
+    <a:masterClrMapping/>
+  </p:clrMapOvr>
   <p:timing>
     <p:tnLst>
       <p:par>
-        <p:cTn dur="indefinite" id="23" nodeType="tmRoot" restart="never">
+        <p:cTn id="1" dur="indefinite" restart="never" nodeType="tmRoot">
           <p:childTnLst>
             <p:seq>
-              <p:cTn id="24" nodeType="mainSeq">
-                <p:childTnLst/>
+              <p:cTn id="2" nodeType="mainSeq">
+                <p:childTnLst>
+                  <p:par>
+                    <p:cTn id="3"/>
+                  </p:par>
+                </p:childTnLst>
               </p:cTn>
               <p:prevCondLst>
-                <p:cond delay="0" evt="onPrev">
+                <p:cond evt="onPrev" delay="0">
                   <p:tgtEl>
                     <p:sldTgt/>
                   </p:tgtEl>
                 </p:cond>
               </p:prevCondLst>
               <p:nextCondLst>
-                <p:cond delay="0" evt="onNext">
+                <p:cond evt="onNext" delay="0">
                   <p:tgtEl>
                     <p:sldTgt/>
                   </p:tgtEl>
@@ -3215,8 +3492,8 @@
 </p:sld>
 </file>
 
-<file path=ppt/slides/slide13.xml><?xml version="1.0" encoding="utf-8"?>
-<p:sld xmlns:a="http://schemas.openxmlformats.org/drawingml/2006/main" xmlns:p="http://schemas.openxmlformats.org/presentationml/2006/main" xmlns:r="http://schemas.openxmlformats.org/officeDocument/2006/relationships">
+<file path=ppt/slides/slide2.xml><?xml version="1.0" encoding="utf-8"?>
+<p:sld xmlns:a="http://schemas.openxmlformats.org/drawingml/2006/main" xmlns:r="http://schemas.openxmlformats.org/officeDocument/2006/relationships" xmlns:p="http://schemas.openxmlformats.org/presentationml/2006/main">
   <p:cSld>
     <p:spTree>
       <p:nvGrpSpPr>
@@ -3234,7 +3511,7 @@
       </p:grpSpPr>
       <p:sp>
         <p:nvSpPr>
-          <p:cNvPr id="93" name="CustomShape 1"/>
+          <p:cNvPr id="75" name="CustomShape 1"/>
           <p:cNvSpPr/>
           <p:nvPr/>
         </p:nvSpPr>
@@ -3248,7 +3525,8 @@
           </a:prstGeom>
         </p:spPr>
         <p:txBody>
-          <a:bodyPr anchor="ctr" bIns="45000" lIns="90000" rIns="90000" tIns="45000"/>
+          <a:bodyPr lIns="90000" tIns="45000" rIns="90000" bIns="45000" anchor="ctr"/>
+          <a:lstStyle/>
           <a:p>
             <a:pPr algn="ctr">
               <a:lnSpc>
@@ -3262,15 +3540,15 @@
                 </a:solidFill>
                 <a:latin typeface="Calibri"/>
               </a:rPr>
-              <a:t>Respaldos</a:t>
-            </a:r>
-            <a:endParaRPr/>
-          </a:p>
-        </p:txBody>
-      </p:sp>
-      <p:sp>
-        <p:nvSpPr>
-          <p:cNvPr id="94" name="CustomShape 2"/>
+              <a:t>Hitos </a:t>
+            </a:r>
+            <a:endParaRPr/>
+          </a:p>
+        </p:txBody>
+      </p:sp>
+      <p:sp>
+        <p:nvSpPr>
+          <p:cNvPr id="76" name="CustomShape 2"/>
           <p:cNvSpPr/>
           <p:nvPr/>
         </p:nvSpPr>
@@ -3284,7 +3562,8 @@
           </a:prstGeom>
         </p:spPr>
         <p:txBody>
-          <a:bodyPr bIns="45000" lIns="90000" rIns="90000" tIns="45000"/>
+          <a:bodyPr lIns="90000" tIns="45000" rIns="90000" bIns="45000"/>
+          <a:lstStyle/>
           <a:p>
             <a:pPr>
               <a:lnSpc>
@@ -3294,38 +3573,94 @@
               <a:buChar char="•"/>
             </a:pPr>
             <a:r>
-              <a:rPr lang="es-MX" sz="3200">
+              <a:rPr lang="es-MX" sz="3200" dirty="0" smtClean="0">
                 <a:solidFill>
                   <a:srgbClr val="000000"/>
                 </a:solidFill>
                 <a:latin typeface="Calibri"/>
               </a:rPr>
-              <a:t>&lt;Reporte de respaldos semanales&gt;</a:t>
-            </a:r>
-            <a:endParaRPr/>
+              <a:t>&lt;Listar </a:t>
+            </a:r>
+            <a:r>
+              <a:rPr lang="es-MX" sz="3200" dirty="0">
+                <a:solidFill>
+                  <a:srgbClr val="000000"/>
+                </a:solidFill>
+                <a:latin typeface="Calibri"/>
+              </a:rPr>
+              <a:t>los hitos así como la fecha planeada </a:t>
+            </a:r>
+            <a:r>
+              <a:rPr lang="es-MX" sz="3200" dirty="0" smtClean="0">
+                <a:solidFill>
+                  <a:srgbClr val="000000"/>
+                </a:solidFill>
+                <a:latin typeface="Calibri"/>
+              </a:rPr>
+              <a:t>y fecha real de </a:t>
+            </a:r>
+            <a:r>
+              <a:rPr lang="es-MX" sz="3200" dirty="0">
+                <a:solidFill>
+                  <a:srgbClr val="000000"/>
+                </a:solidFill>
+                <a:latin typeface="Calibri"/>
+              </a:rPr>
+              <a:t>entrega de cada </a:t>
+            </a:r>
+            <a:r>
+              <a:rPr lang="es-MX" sz="3200" dirty="0" smtClean="0">
+                <a:solidFill>
+                  <a:srgbClr val="000000"/>
+                </a:solidFill>
+                <a:latin typeface="Calibri"/>
+              </a:rPr>
+              <a:t>uno, en caso de existir alguna desviación significativa se deberá dar una explicación de la misma</a:t>
+            </a:r>
+            <a:r>
+              <a:rPr lang="es-MX" sz="3200" dirty="0" smtClean="0"/>
+              <a:t>.</a:t>
+            </a:r>
+            <a:r>
+              <a:rPr lang="es-MX" sz="3200" dirty="0" smtClean="0">
+                <a:solidFill>
+                  <a:srgbClr val="000000"/>
+                </a:solidFill>
+                <a:latin typeface="Calibri"/>
+              </a:rPr>
+              <a:t>&gt;</a:t>
+            </a:r>
+            <a:endParaRPr dirty="0"/>
           </a:p>
         </p:txBody>
       </p:sp>
     </p:spTree>
   </p:cSld>
+  <p:clrMapOvr>
+    <a:masterClrMapping/>
+  </p:clrMapOvr>
   <p:timing>
     <p:tnLst>
       <p:par>
-        <p:cTn dur="indefinite" id="25" nodeType="tmRoot" restart="never">
+        <p:cTn id="1" dur="indefinite" restart="never" nodeType="tmRoot">
           <p:childTnLst>
             <p:seq>
-              <p:cTn id="26" nodeType="mainSeq">
-                <p:childTnLst/>
+              <p:cTn id="2" nodeType="mainSeq">
+                <p:childTnLst>
+                  <p:par>
+                    <p:cTn id="3"/>
+                  </p:par>
+                </p:childTnLst>
               </p:cTn>
               <p:prevCondLst>
-                <p:cond delay="0" evt="onPrev">
+                <p:cond evt="onPrev" delay="0">
                   <p:tgtEl>
                     <p:sldTgt/>
                   </p:tgtEl>
                 </p:cond>
               </p:prevCondLst>
               <p:nextCondLst>
-                <p:cond delay="0" evt="onNext">
+                <p:cond evt="onNext" delay="0">
                   <p:tgtEl>
                     <p:sldTgt/>
                   </p:tgtEl>
@@ -3340,8 +3675,8 @@
 </p:sld>
 </file>
 
-<file path=ppt/slides/slide2.xml><?xml version="1.0" encoding="utf-8"?>
-<p:sld xmlns:a="http://schemas.openxmlformats.org/drawingml/2006/main" xmlns:p="http://schemas.openxmlformats.org/presentationml/2006/main" xmlns:r="http://schemas.openxmlformats.org/officeDocument/2006/relationships">
+<file path=ppt/slides/slide3.xml><?xml version="1.0" encoding="utf-8"?>
+<p:sld xmlns:a="http://schemas.openxmlformats.org/drawingml/2006/main" xmlns:r="http://schemas.openxmlformats.org/officeDocument/2006/relationships" xmlns:p="http://schemas.openxmlformats.org/presentationml/2006/main">
   <p:cSld>
     <p:spTree>
       <p:nvGrpSpPr>
@@ -3359,7 +3694,7 @@
       </p:grpSpPr>
       <p:sp>
         <p:nvSpPr>
-          <p:cNvPr id="71" name="CustomShape 1"/>
+          <p:cNvPr id="77" name="CustomShape 1"/>
           <p:cNvSpPr/>
           <p:nvPr/>
         </p:nvSpPr>
@@ -3373,7 +3708,8 @@
           </a:prstGeom>
         </p:spPr>
         <p:txBody>
-          <a:bodyPr anchor="ctr" bIns="45000" lIns="90000" rIns="90000" tIns="45000"/>
+          <a:bodyPr lIns="90000" tIns="45000" rIns="90000" bIns="45000" anchor="ctr"/>
+          <a:lstStyle/>
           <a:p>
             <a:pPr algn="ctr">
               <a:lnSpc>
@@ -3387,15 +3723,15 @@
                 </a:solidFill>
                 <a:latin typeface="Calibri"/>
               </a:rPr>
-              <a:t>Etapas</a:t>
-            </a:r>
-            <a:endParaRPr/>
-          </a:p>
-        </p:txBody>
-      </p:sp>
-      <p:sp>
-        <p:nvSpPr>
-          <p:cNvPr id="72" name="CustomShape 2"/>
+              <a:t>Recursos humanos</a:t>
+            </a:r>
+            <a:endParaRPr/>
+          </a:p>
+        </p:txBody>
+      </p:sp>
+      <p:sp>
+        <p:nvSpPr>
+          <p:cNvPr id="78" name="CustomShape 2"/>
           <p:cNvSpPr/>
           <p:nvPr/>
         </p:nvSpPr>
@@ -3409,7 +3745,8 @@
           </a:prstGeom>
         </p:spPr>
         <p:txBody>
-          <a:bodyPr bIns="45000" lIns="90000" rIns="90000" tIns="45000"/>
+          <a:bodyPr lIns="90000" tIns="45000" rIns="90000" bIns="45000"/>
+          <a:lstStyle/>
           <a:p>
             <a:pPr>
               <a:lnSpc>
@@ -3425,7 +3762,7 @@
                 </a:solidFill>
                 <a:latin typeface="Calibri"/>
               </a:rPr>
-              <a:t>&lt;Etapas del proyecto&gt;</a:t>
+              <a:t>&lt;Recursos&gt;</a:t>
             </a:r>
             <a:endParaRPr/>
           </a:p>
@@ -3444,32 +3781,47 @@
                 </a:solidFill>
                 <a:latin typeface="Calibri"/>
               </a:rPr>
-              <a:t>&lt;Etapa actual del proyecto&gt;</a:t>
-            </a:r>
+              <a:t>&lt;Capacitaciones&gt;</a:t>
+            </a:r>
+            <a:endParaRPr/>
+          </a:p>
+          <a:p>
+            <a:pPr>
+              <a:lnSpc>
+                <a:spcPct val="100000"/>
+              </a:lnSpc>
+            </a:pPr>
             <a:endParaRPr/>
           </a:p>
         </p:txBody>
       </p:sp>
     </p:spTree>
   </p:cSld>
+  <p:clrMapOvr>
+    <a:masterClrMapping/>
+  </p:clrMapOvr>
   <p:timing>
     <p:tnLst>
       <p:par>
-        <p:cTn dur="indefinite" id="3" nodeType="tmRoot" restart="never">
+        <p:cTn id="1" dur="indefinite" restart="never" nodeType="tmRoot">
           <p:childTnLst>
             <p:seq>
-              <p:cTn id="4" nodeType="mainSeq">
-                <p:childTnLst/>
+              <p:cTn id="2" nodeType="mainSeq">
+                <p:childTnLst>
+                  <p:par>
+                    <p:cTn id="3"/>
+                  </p:par>
+                </p:childTnLst>
               </p:cTn>
               <p:prevCondLst>
-                <p:cond delay="0" evt="onPrev">
+                <p:cond evt="onPrev" delay="0">
                   <p:tgtEl>
                     <p:sldTgt/>
                   </p:tgtEl>
                 </p:cond>
               </p:prevCondLst>
               <p:nextCondLst>
-                <p:cond delay="0" evt="onNext">
+                <p:cond evt="onNext" delay="0">
                   <p:tgtEl>
                     <p:sldTgt/>
                   </p:tgtEl>
@@ -3484,8 +3836,8 @@
 </p:sld>
 </file>
 
-<file path=ppt/slides/slide3.xml><?xml version="1.0" encoding="utf-8"?>
-<p:sld xmlns:a="http://schemas.openxmlformats.org/drawingml/2006/main" xmlns:p="http://schemas.openxmlformats.org/presentationml/2006/main" xmlns:r="http://schemas.openxmlformats.org/officeDocument/2006/relationships">
+<file path=ppt/slides/slide4.xml><?xml version="1.0" encoding="utf-8"?>
+<p:sld xmlns:a="http://schemas.openxmlformats.org/drawingml/2006/main" xmlns:r="http://schemas.openxmlformats.org/officeDocument/2006/relationships" xmlns:p="http://schemas.openxmlformats.org/presentationml/2006/main">
   <p:cSld>
     <p:spTree>
       <p:nvGrpSpPr>
@@ -3503,7 +3855,7 @@
       </p:grpSpPr>
       <p:sp>
         <p:nvSpPr>
-          <p:cNvPr id="73" name="CustomShape 1"/>
+          <p:cNvPr id="79" name="CustomShape 1"/>
           <p:cNvSpPr/>
           <p:nvPr/>
         </p:nvSpPr>
@@ -3517,7 +3869,8 @@
           </a:prstGeom>
         </p:spPr>
         <p:txBody>
-          <a:bodyPr anchor="ctr" bIns="45000" lIns="90000" rIns="90000" tIns="45000"/>
+          <a:bodyPr lIns="90000" tIns="45000" rIns="90000" bIns="45000" anchor="ctr"/>
+          <a:lstStyle/>
           <a:p>
             <a:pPr algn="ctr">
               <a:lnSpc>
@@ -3531,15 +3884,15 @@
                 </a:solidFill>
                 <a:latin typeface="Calibri"/>
               </a:rPr>
-              <a:t>Avance</a:t>
-            </a:r>
-            <a:endParaRPr/>
-          </a:p>
-        </p:txBody>
-      </p:sp>
-      <p:sp>
-        <p:nvSpPr>
-          <p:cNvPr id="74" name="CustomShape 2"/>
+              <a:t>Costos</a:t>
+            </a:r>
+            <a:endParaRPr/>
+          </a:p>
+        </p:txBody>
+      </p:sp>
+      <p:sp>
+        <p:nvSpPr>
+          <p:cNvPr id="80" name="CustomShape 2"/>
           <p:cNvSpPr/>
           <p:nvPr/>
         </p:nvSpPr>
@@ -3553,7 +3906,8 @@
           </a:prstGeom>
         </p:spPr>
         <p:txBody>
-          <a:bodyPr bIns="45000" lIns="90000" rIns="90000" tIns="45000"/>
+          <a:bodyPr lIns="90000" tIns="45000" rIns="90000" bIns="45000"/>
+          <a:lstStyle/>
           <a:p>
             <a:pPr>
               <a:lnSpc>
@@ -3563,34 +3917,40 @@
               <a:buChar char="•"/>
             </a:pPr>
             <a:r>
-              <a:rPr lang="es-MX" sz="3200">
+              <a:rPr lang="es-MX" sz="3200" dirty="0">
                 <a:solidFill>
                   <a:srgbClr val="000000"/>
                 </a:solidFill>
                 <a:latin typeface="Calibri"/>
               </a:rPr>
-              <a:t>&lt;Porcentaje de avance en las etapas pasadas&gt;</a:t>
-            </a:r>
-            <a:endParaRPr/>
+              <a:t>&lt;Tabla y/o muestra gráfica&gt;</a:t>
+            </a:r>
+            <a:endParaRPr lang="es-MX" sz="3200" dirty="0"/>
           </a:p>
           <a:p>
             <a:pPr>
-              <a:lnSpc>
-                <a:spcPct val="100000"/>
-              </a:lnSpc>
               <a:buFont typeface="Arial"/>
               <a:buChar char="•"/>
             </a:pPr>
             <a:r>
-              <a:rPr lang="es-MX" sz="3200">
+              <a:rPr lang="es-MX" sz="3200" dirty="0" smtClean="0">
                 <a:solidFill>
                   <a:srgbClr val="000000"/>
                 </a:solidFill>
                 <a:latin typeface="Calibri"/>
               </a:rPr>
-              <a:t>&lt;Porcentaje de avance en la etapa actual&gt;</a:t>
-            </a:r>
-            <a:endParaRPr/>
+              <a:t>&lt;</a:t>
+            </a:r>
+            <a:r>
+              <a:rPr lang="es-MX" sz="3200" dirty="0">
+                <a:solidFill>
+                  <a:srgbClr val="000000"/>
+                </a:solidFill>
+                <a:latin typeface="Calibri"/>
+              </a:rPr>
+              <a:t>Se deberá documentar el análisis realizado de acuerdo a las guías de análisis definidas en el plan de métricas&gt;</a:t>
+            </a:r>
+            <a:endParaRPr lang="es-MX" sz="3200" dirty="0"/>
           </a:p>
           <a:p>
             <a:pPr>
@@ -3598,30 +3958,42 @@
                 <a:spcPct val="100000"/>
               </a:lnSpc>
             </a:pPr>
-            <a:endParaRPr/>
+            <a:endParaRPr lang="es-MX" sz="3200" dirty="0" smtClean="0">
+              <a:solidFill>
+                <a:srgbClr val="000000"/>
+              </a:solidFill>
+              <a:latin typeface="Calibri"/>
+            </a:endParaRPr>
           </a:p>
         </p:txBody>
       </p:sp>
     </p:spTree>
   </p:cSld>
+  <p:clrMapOvr>
+    <a:masterClrMapping/>
+  </p:clrMapOvr>
   <p:timing>
     <p:tnLst>
       <p:par>
-        <p:cTn dur="indefinite" id="5" nodeType="tmRoot" restart="never">
+        <p:cTn id="1" dur="indefinite" restart="never" nodeType="tmRoot">
           <p:childTnLst>
             <p:seq>
-              <p:cTn id="6" nodeType="mainSeq">
-                <p:childTnLst/>
+              <p:cTn id="2" nodeType="mainSeq">
+                <p:childTnLst>
+                  <p:par>
+                    <p:cTn id="3"/>
+                  </p:par>
+                </p:childTnLst>
               </p:cTn>
               <p:prevCondLst>
-                <p:cond delay="0" evt="onPrev">
+                <p:cond evt="onPrev" delay="0">
                   <p:tgtEl>
                     <p:sldTgt/>
                   </p:tgtEl>
                 </p:cond>
               </p:prevCondLst>
               <p:nextCondLst>
-                <p:cond delay="0" evt="onNext">
+                <p:cond evt="onNext" delay="0">
                   <p:tgtEl>
                     <p:sldTgt/>
                   </p:tgtEl>
@@ -3636,8 +4008,8 @@
 </p:sld>
 </file>
 
-<file path=ppt/slides/slide4.xml><?xml version="1.0" encoding="utf-8"?>
-<p:sld xmlns:a="http://schemas.openxmlformats.org/drawingml/2006/main" xmlns:p="http://schemas.openxmlformats.org/presentationml/2006/main" xmlns:r="http://schemas.openxmlformats.org/officeDocument/2006/relationships">
+<file path=ppt/slides/slide5.xml><?xml version="1.0" encoding="utf-8"?>
+<p:sld xmlns:a="http://schemas.openxmlformats.org/drawingml/2006/main" xmlns:r="http://schemas.openxmlformats.org/officeDocument/2006/relationships" xmlns:p="http://schemas.openxmlformats.org/presentationml/2006/main">
   <p:cSld>
     <p:spTree>
       <p:nvGrpSpPr>
@@ -3655,7 +4027,7 @@
       </p:grpSpPr>
       <p:sp>
         <p:nvSpPr>
-          <p:cNvPr id="75" name="CustomShape 1"/>
+          <p:cNvPr id="81" name="CustomShape 1"/>
           <p:cNvSpPr/>
           <p:nvPr/>
         </p:nvSpPr>
@@ -3669,7 +4041,8 @@
           </a:prstGeom>
         </p:spPr>
         <p:txBody>
-          <a:bodyPr anchor="ctr" bIns="45000" lIns="90000" rIns="90000" tIns="45000"/>
+          <a:bodyPr lIns="90000" tIns="45000" rIns="90000" bIns="45000" anchor="ctr"/>
+          <a:lstStyle/>
           <a:p>
             <a:pPr algn="ctr">
               <a:lnSpc>
@@ -3683,15 +4056,15 @@
                 </a:solidFill>
                 <a:latin typeface="Calibri"/>
               </a:rPr>
-              <a:t>Hitos </a:t>
-            </a:r>
-            <a:endParaRPr/>
-          </a:p>
-        </p:txBody>
-      </p:sp>
-      <p:sp>
-        <p:nvSpPr>
-          <p:cNvPr id="76" name="CustomShape 2"/>
+              <a:t>Esfuerzo</a:t>
+            </a:r>
+            <a:endParaRPr/>
+          </a:p>
+        </p:txBody>
+      </p:sp>
+      <p:sp>
+        <p:nvSpPr>
+          <p:cNvPr id="82" name="CustomShape 2"/>
           <p:cNvSpPr/>
           <p:nvPr/>
         </p:nvSpPr>
@@ -3705,7 +4078,8 @@
           </a:prstGeom>
         </p:spPr>
         <p:txBody>
-          <a:bodyPr bIns="45000" lIns="90000" rIns="90000" tIns="45000"/>
+          <a:bodyPr lIns="90000" tIns="45000" rIns="90000" bIns="45000"/>
+          <a:lstStyle/>
           <a:p>
             <a:pPr>
               <a:lnSpc>
@@ -3715,38 +4089,90 @@
               <a:buChar char="•"/>
             </a:pPr>
             <a:r>
-              <a:rPr lang="es-MX" sz="3200">
+              <a:rPr lang="es-MX" sz="3200" dirty="0">
                 <a:solidFill>
                   <a:srgbClr val="000000"/>
                 </a:solidFill>
                 <a:latin typeface="Calibri"/>
               </a:rPr>
-              <a:t>&lt;Enlistar los hitos así como la fecha planeada de entrega de cada uno, tienen que ser los mismos que aparecen en el plan del proyecto&gt;</a:t>
-            </a:r>
-            <a:endParaRPr/>
+              <a:t>&lt;Tabla y/o muestra gráfica&gt;</a:t>
+            </a:r>
+            <a:endParaRPr lang="es-MX" sz="3200" dirty="0"/>
+          </a:p>
+          <a:p>
+            <a:pPr>
+              <a:lnSpc>
+                <a:spcPct val="100000"/>
+              </a:lnSpc>
+              <a:buFont typeface="Arial"/>
+              <a:buChar char="•"/>
+            </a:pPr>
+            <a:r>
+              <a:rPr lang="es-MX" sz="3200" dirty="0" smtClean="0">
+                <a:solidFill>
+                  <a:srgbClr val="000000"/>
+                </a:solidFill>
+                <a:latin typeface="Calibri"/>
+              </a:rPr>
+              <a:t>&lt;Se </a:t>
+            </a:r>
+            <a:r>
+              <a:rPr lang="es-MX" sz="3200" dirty="0">
+                <a:solidFill>
+                  <a:srgbClr val="000000"/>
+                </a:solidFill>
+                <a:latin typeface="Calibri"/>
+              </a:rPr>
+              <a:t>deberá documentar el análisis realizado de acuerdo a las guías de análisis definidas en el plan de </a:t>
+            </a:r>
+            <a:r>
+              <a:rPr lang="es-MX" sz="3200" dirty="0" smtClean="0">
+                <a:solidFill>
+                  <a:srgbClr val="000000"/>
+                </a:solidFill>
+                <a:latin typeface="Calibri"/>
+              </a:rPr>
+              <a:t>métricas&gt;</a:t>
+            </a:r>
+            <a:endParaRPr dirty="0"/>
+          </a:p>
+          <a:p>
+            <a:pPr>
+              <a:lnSpc>
+                <a:spcPct val="100000"/>
+              </a:lnSpc>
+            </a:pPr>
+            <a:endParaRPr dirty="0"/>
           </a:p>
         </p:txBody>
       </p:sp>
     </p:spTree>
   </p:cSld>
+  <p:clrMapOvr>
+    <a:masterClrMapping/>
+  </p:clrMapOvr>
   <p:timing>
     <p:tnLst>
       <p:par>
-        <p:cTn dur="indefinite" id="7" nodeType="tmRoot" restart="never">
+        <p:cTn id="1" dur="indefinite" restart="never" nodeType="tmRoot">
           <p:childTnLst>
             <p:seq>
-              <p:cTn id="8" nodeType="mainSeq">
-                <p:childTnLst/>
+              <p:cTn id="2" nodeType="mainSeq">
+                <p:childTnLst>
+                  <p:par>
+                    <p:cTn id="3"/>
+                  </p:par>
+                </p:childTnLst>
               </p:cTn>
               <p:prevCondLst>
-                <p:cond delay="0" evt="onPrev">
+                <p:cond evt="onPrev" delay="0">
                   <p:tgtEl>
                     <p:sldTgt/>
                   </p:tgtEl>
                 </p:cond>
               </p:prevCondLst>
               <p:nextCondLst>
-                <p:cond delay="0" evt="onNext">
+                <p:cond evt="onNext" delay="0">
                   <p:tgtEl>
                     <p:sldTgt/>
                   </p:tgtEl>
@@ -3761,8 +4187,8 @@
 </p:sld>
 </file>
 
-<file path=ppt/slides/slide5.xml><?xml version="1.0" encoding="utf-8"?>
-<p:sld xmlns:a="http://schemas.openxmlformats.org/drawingml/2006/main" xmlns:p="http://schemas.openxmlformats.org/presentationml/2006/main" xmlns:r="http://schemas.openxmlformats.org/officeDocument/2006/relationships">
+<file path=ppt/slides/slide6.xml><?xml version="1.0" encoding="utf-8"?>
+<p:sld xmlns:a="http://schemas.openxmlformats.org/drawingml/2006/main" xmlns:r="http://schemas.openxmlformats.org/officeDocument/2006/relationships" xmlns:p="http://schemas.openxmlformats.org/presentationml/2006/main">
   <p:cSld>
     <p:spTree>
       <p:nvGrpSpPr>
@@ -3780,7 +4206,7 @@
       </p:grpSpPr>
       <p:sp>
         <p:nvSpPr>
-          <p:cNvPr id="77" name="CustomShape 1"/>
+          <p:cNvPr id="83" name="CustomShape 1"/>
           <p:cNvSpPr/>
           <p:nvPr/>
         </p:nvSpPr>
@@ -3794,7 +4220,8 @@
           </a:prstGeom>
         </p:spPr>
         <p:txBody>
-          <a:bodyPr anchor="ctr" bIns="45000" lIns="90000" rIns="90000" tIns="45000"/>
+          <a:bodyPr lIns="90000" tIns="45000" rIns="90000" bIns="45000" anchor="ctr"/>
+          <a:lstStyle/>
           <a:p>
             <a:pPr algn="ctr">
               <a:lnSpc>
@@ -3808,15 +4235,15 @@
                 </a:solidFill>
                 <a:latin typeface="Calibri"/>
               </a:rPr>
-              <a:t>Recursos humanos</a:t>
-            </a:r>
-            <a:endParaRPr/>
-          </a:p>
-        </p:txBody>
-      </p:sp>
-      <p:sp>
-        <p:nvSpPr>
-          <p:cNvPr id="78" name="CustomShape 2"/>
+              <a:t>Auditorías físicas</a:t>
+            </a:r>
+            <a:endParaRPr/>
+          </a:p>
+        </p:txBody>
+      </p:sp>
+      <p:sp>
+        <p:nvSpPr>
+          <p:cNvPr id="84" name="CustomShape 2"/>
           <p:cNvSpPr/>
           <p:nvPr/>
         </p:nvSpPr>
@@ -3830,7 +4257,8 @@
           </a:prstGeom>
         </p:spPr>
         <p:txBody>
-          <a:bodyPr bIns="45000" lIns="90000" rIns="90000" tIns="45000"/>
+          <a:bodyPr lIns="90000" tIns="45000" rIns="90000" bIns="45000"/>
+          <a:lstStyle/>
           <a:p>
             <a:pPr>
               <a:lnSpc>
@@ -3840,15 +4268,15 @@
               <a:buChar char="•"/>
             </a:pPr>
             <a:r>
-              <a:rPr lang="es-MX" sz="3200">
+              <a:rPr lang="es-MX" sz="3200" dirty="0">
                 <a:solidFill>
                   <a:srgbClr val="000000"/>
                 </a:solidFill>
                 <a:latin typeface="Calibri"/>
               </a:rPr>
-              <a:t>&lt;Recursos&gt;</a:t>
-            </a:r>
-            <a:endParaRPr/>
+              <a:t>&lt;Tabla y/o muestra gráfica&gt;</a:t>
+            </a:r>
+            <a:endParaRPr dirty="0"/>
           </a:p>
           <a:p>
             <a:pPr>
@@ -3859,46 +4287,54 @@
               <a:buChar char="•"/>
             </a:pPr>
             <a:r>
-              <a:rPr lang="es-MX" sz="3200">
+              <a:rPr lang="es-MX" sz="3200" dirty="0" smtClean="0">
                 <a:solidFill>
                   <a:srgbClr val="000000"/>
                 </a:solidFill>
                 <a:latin typeface="Calibri"/>
               </a:rPr>
-              <a:t>&lt;Capacitaciones&gt;</a:t>
-            </a:r>
-            <a:endParaRPr/>
-          </a:p>
-          <a:p>
-            <a:pPr>
-              <a:lnSpc>
-                <a:spcPct val="100000"/>
-              </a:lnSpc>
-            </a:pPr>
-            <a:endParaRPr/>
+              <a:t>&lt;Se </a:t>
+            </a:r>
+            <a:r>
+              <a:rPr lang="es-MX" sz="3200" dirty="0">
+                <a:solidFill>
+                  <a:srgbClr val="000000"/>
+                </a:solidFill>
+                <a:latin typeface="Calibri"/>
+              </a:rPr>
+              <a:t>deberá documentar el análisis realizado de acuerdo a las guías de análisis definidas en el plan de métricas &gt;</a:t>
+            </a:r>
+            <a:endParaRPr dirty="0"/>
           </a:p>
         </p:txBody>
       </p:sp>
     </p:spTree>
   </p:cSld>
+  <p:clrMapOvr>
+    <a:masterClrMapping/>
+  </p:clrMapOvr>
   <p:timing>
     <p:tnLst>
       <p:par>
-        <p:cTn dur="indefinite" id="9" nodeType="tmRoot" restart="never">
+        <p:cTn id="1" dur="indefinite" restart="never" nodeType="tmRoot">
           <p:childTnLst>
             <p:seq>
-              <p:cTn id="10" nodeType="mainSeq">
-                <p:childTnLst/>
+              <p:cTn id="2" nodeType="mainSeq">
+                <p:childTnLst>
+                  <p:par>
+                    <p:cTn id="3"/>
+                  </p:par>
+                </p:childTnLst>
               </p:cTn>
               <p:prevCondLst>
-                <p:cond delay="0" evt="onPrev">
+                <p:cond evt="onPrev" delay="0">
                   <p:tgtEl>
                     <p:sldTgt/>
                   </p:tgtEl>
                 </p:cond>
               </p:prevCondLst>
               <p:nextCondLst>
-                <p:cond delay="0" evt="onNext">
+                <p:cond evt="onNext" delay="0">
                   <p:tgtEl>
                     <p:sldTgt/>
                   </p:tgtEl>
@@ -3913,8 +4349,8 @@
 </p:sld>
 </file>
 
-<file path=ppt/slides/slide6.xml><?xml version="1.0" encoding="utf-8"?>
-<p:sld xmlns:a="http://schemas.openxmlformats.org/drawingml/2006/main" xmlns:p="http://schemas.openxmlformats.org/presentationml/2006/main" xmlns:r="http://schemas.openxmlformats.org/officeDocument/2006/relationships">
+<file path=ppt/slides/slide7.xml><?xml version="1.0" encoding="utf-8"?>
+<p:sld xmlns:a="http://schemas.openxmlformats.org/drawingml/2006/main" xmlns:r="http://schemas.openxmlformats.org/officeDocument/2006/relationships" xmlns:p="http://schemas.openxmlformats.org/presentationml/2006/main">
   <p:cSld>
     <p:spTree>
       <p:nvGrpSpPr>
@@ -3932,7 +4368,7 @@
       </p:grpSpPr>
       <p:sp>
         <p:nvSpPr>
-          <p:cNvPr id="79" name="CustomShape 1"/>
+          <p:cNvPr id="85" name="CustomShape 1"/>
           <p:cNvSpPr/>
           <p:nvPr/>
         </p:nvSpPr>
@@ -3946,7 +4382,8 @@
           </a:prstGeom>
         </p:spPr>
         <p:txBody>
-          <a:bodyPr anchor="ctr" bIns="45000" lIns="90000" rIns="90000" tIns="45000"/>
+          <a:bodyPr lIns="90000" tIns="45000" rIns="90000" bIns="45000" anchor="ctr"/>
+          <a:lstStyle/>
           <a:p>
             <a:pPr algn="ctr">
               <a:lnSpc>
@@ -3960,15 +4397,15 @@
                 </a:solidFill>
                 <a:latin typeface="Calibri"/>
               </a:rPr>
-              <a:t>Costos</a:t>
-            </a:r>
-            <a:endParaRPr/>
-          </a:p>
-        </p:txBody>
-      </p:sp>
-      <p:sp>
-        <p:nvSpPr>
-          <p:cNvPr id="80" name="CustomShape 2"/>
+              <a:t>Auditorías funcionales</a:t>
+            </a:r>
+            <a:endParaRPr/>
+          </a:p>
+        </p:txBody>
+      </p:sp>
+      <p:sp>
+        <p:nvSpPr>
+          <p:cNvPr id="86" name="CustomShape 2"/>
           <p:cNvSpPr/>
           <p:nvPr/>
         </p:nvSpPr>
@@ -3982,7 +4419,8 @@
           </a:prstGeom>
         </p:spPr>
         <p:txBody>
-          <a:bodyPr bIns="45000" lIns="90000" rIns="90000" tIns="45000"/>
+          <a:bodyPr lIns="90000" tIns="45000" rIns="90000" bIns="45000"/>
+          <a:lstStyle/>
           <a:p>
             <a:pPr>
               <a:lnSpc>
@@ -3992,38 +4430,64 @@
               <a:buChar char="•"/>
             </a:pPr>
             <a:r>
-              <a:rPr lang="es-MX" sz="3200">
+              <a:rPr lang="es-MX" sz="3200" dirty="0">
                 <a:solidFill>
                   <a:srgbClr val="000000"/>
                 </a:solidFill>
                 <a:latin typeface="Calibri"/>
               </a:rPr>
-              <a:t>&lt;Costos planeados y costos reales de cada etapa&gt;</a:t>
-            </a:r>
-            <a:endParaRPr/>
+              <a:t>&lt;Tabla y/o muestra gráfica&gt;</a:t>
+            </a:r>
+            <a:endParaRPr lang="es-MX" sz="3200" dirty="0"/>
+          </a:p>
+          <a:p>
+            <a:pPr>
+              <a:lnSpc>
+                <a:spcPct val="100000"/>
+              </a:lnSpc>
+              <a:buFont typeface="Arial"/>
+              <a:buChar char="•"/>
+            </a:pPr>
+            <a:r>
+              <a:rPr lang="es-MX" sz="3200" dirty="0">
+                <a:solidFill>
+                  <a:srgbClr val="000000"/>
+                </a:solidFill>
+                <a:latin typeface="Calibri"/>
+              </a:rPr>
+              <a:t>&lt;Se deberá documentar el análisis realizado de acuerdo a las guías de análisis definidas en el plan de métricas &gt;</a:t>
+            </a:r>
+            <a:endParaRPr lang="es-MX" sz="3200" dirty="0"/>
           </a:p>
         </p:txBody>
       </p:sp>
     </p:spTree>
   </p:cSld>
+  <p:clrMapOvr>
+    <a:masterClrMapping/>
+  </p:clrMapOvr>
   <p:timing>
     <p:tnLst>
       <p:par>
-        <p:cTn dur="indefinite" id="11" nodeType="tmRoot" restart="never">
+        <p:cTn id="1" dur="indefinite" restart="never" nodeType="tmRoot">
           <p:childTnLst>
             <p:seq>
-              <p:cTn id="12" nodeType="mainSeq">
-                <p:childTnLst/>
+              <p:cTn id="2" nodeType="mainSeq">
+                <p:childTnLst>
+                  <p:par>
+                    <p:cTn id="3"/>
+                  </p:par>
+                </p:childTnLst>
               </p:cTn>
               <p:prevCondLst>
-                <p:cond delay="0" evt="onPrev">
+                <p:cond evt="onPrev" delay="0">
                   <p:tgtEl>
                     <p:sldTgt/>
                   </p:tgtEl>
                 </p:cond>
               </p:prevCondLst>
               <p:nextCondLst>
-                <p:cond delay="0" evt="onNext">
+                <p:cond evt="onNext" delay="0">
                   <p:tgtEl>
                     <p:sldTgt/>
                   </p:tgtEl>
@@ -4038,8 +4502,8 @@
 </p:sld>
 </file>
 
-<file path=ppt/slides/slide7.xml><?xml version="1.0" encoding="utf-8"?>
-<p:sld xmlns:a="http://schemas.openxmlformats.org/drawingml/2006/main" xmlns:p="http://schemas.openxmlformats.org/presentationml/2006/main" xmlns:r="http://schemas.openxmlformats.org/officeDocument/2006/relationships">
+<file path=ppt/slides/slide8.xml><?xml version="1.0" encoding="utf-8"?>
+<p:sld xmlns:a="http://schemas.openxmlformats.org/drawingml/2006/main" xmlns:r="http://schemas.openxmlformats.org/officeDocument/2006/relationships" xmlns:p="http://schemas.openxmlformats.org/presentationml/2006/main">
   <p:cSld>
     <p:spTree>
       <p:nvGrpSpPr>
@@ -4057,7 +4521,7 @@
       </p:grpSpPr>
       <p:sp>
         <p:nvSpPr>
-          <p:cNvPr id="81" name="CustomShape 1"/>
+          <p:cNvPr id="87" name="CustomShape 1"/>
           <p:cNvSpPr/>
           <p:nvPr/>
         </p:nvSpPr>
@@ -4071,7 +4535,8 @@
           </a:prstGeom>
         </p:spPr>
         <p:txBody>
-          <a:bodyPr anchor="ctr" bIns="45000" lIns="90000" rIns="90000" tIns="45000"/>
+          <a:bodyPr lIns="90000" tIns="45000" rIns="90000" bIns="45000" anchor="ctr"/>
+          <a:lstStyle/>
           <a:p>
             <a:pPr algn="ctr">
               <a:lnSpc>
@@ -4085,15 +4550,15 @@
                 </a:solidFill>
                 <a:latin typeface="Calibri"/>
               </a:rPr>
-              <a:t>Esfuerzo</a:t>
-            </a:r>
-            <a:endParaRPr/>
-          </a:p>
-        </p:txBody>
-      </p:sp>
-      <p:sp>
-        <p:nvSpPr>
-          <p:cNvPr id="82" name="CustomShape 2"/>
+              <a:t>Auditorías a productos</a:t>
+            </a:r>
+            <a:endParaRPr/>
+          </a:p>
+        </p:txBody>
+      </p:sp>
+      <p:sp>
+        <p:nvSpPr>
+          <p:cNvPr id="88" name="CustomShape 2"/>
           <p:cNvSpPr/>
           <p:nvPr/>
         </p:nvSpPr>
@@ -4107,7 +4572,8 @@
           </a:prstGeom>
         </p:spPr>
         <p:txBody>
-          <a:bodyPr bIns="45000" lIns="90000" rIns="90000" tIns="45000"/>
+          <a:bodyPr lIns="90000" tIns="45000" rIns="90000" bIns="45000"/>
+          <a:lstStyle/>
           <a:p>
             <a:pPr>
               <a:lnSpc>
@@ -4117,46 +4583,64 @@
               <a:buChar char="•"/>
             </a:pPr>
             <a:r>
-              <a:rPr lang="es-MX" sz="3200">
+              <a:rPr lang="es-MX" sz="3200" dirty="0">
                 <a:solidFill>
                   <a:srgbClr val="000000"/>
                 </a:solidFill>
                 <a:latin typeface="Calibri"/>
               </a:rPr>
-              <a:t>&lt;Esfuerzo planeado y esfuerzo real de cada etapa&gt;</a:t>
-            </a:r>
-            <a:endParaRPr/>
+              <a:t>&lt;Tabla y/o muestra gráfica&gt;</a:t>
+            </a:r>
+            <a:endParaRPr lang="es-MX" sz="3200" dirty="0"/>
           </a:p>
           <a:p>
             <a:pPr>
               <a:lnSpc>
                 <a:spcPct val="100000"/>
               </a:lnSpc>
+              <a:buFont typeface="Arial"/>
+              <a:buChar char="•"/>
             </a:pPr>
-            <a:endParaRPr/>
+            <a:r>
+              <a:rPr lang="es-MX" sz="3200" dirty="0">
+                <a:solidFill>
+                  <a:srgbClr val="000000"/>
+                </a:solidFill>
+                <a:latin typeface="Calibri"/>
+              </a:rPr>
+              <a:t>&lt;Se deberá documentar el análisis realizado de acuerdo a las guías de análisis definidas en el plan de métricas &gt;</a:t>
+            </a:r>
+            <a:endParaRPr lang="es-MX" sz="3200" dirty="0"/>
           </a:p>
         </p:txBody>
       </p:sp>
     </p:spTree>
   </p:cSld>
+  <p:clrMapOvr>
+    <a:masterClrMapping/>
+  </p:clrMapOvr>
   <p:timing>
     <p:tnLst>
       <p:par>
-        <p:cTn dur="indefinite" id="13" nodeType="tmRoot" restart="never">
+        <p:cTn id="1" dur="indefinite" restart="never" nodeType="tmRoot">
           <p:childTnLst>
             <p:seq>
-              <p:cTn id="14" nodeType="mainSeq">
-                <p:childTnLst/>
+              <p:cTn id="2" nodeType="mainSeq">
+                <p:childTnLst>
+                  <p:par>
+                    <p:cTn id="3"/>
+                  </p:par>
+                </p:childTnLst>
               </p:cTn>
               <p:prevCondLst>
-                <p:cond delay="0" evt="onPrev">
+                <p:cond evt="onPrev" delay="0">
                   <p:tgtEl>
                     <p:sldTgt/>
                   </p:tgtEl>
                 </p:cond>
               </p:prevCondLst>
               <p:nextCondLst>
-                <p:cond delay="0" evt="onNext">
+                <p:cond evt="onNext" delay="0">
                   <p:tgtEl>
                     <p:sldTgt/>
                   </p:tgtEl>
@@ -4171,8 +4655,8 @@
 </p:sld>
 </file>
 
-<file path=ppt/slides/slide8.xml><?xml version="1.0" encoding="utf-8"?>
-<p:sld xmlns:a="http://schemas.openxmlformats.org/drawingml/2006/main" xmlns:p="http://schemas.openxmlformats.org/presentationml/2006/main" xmlns:r="http://schemas.openxmlformats.org/officeDocument/2006/relationships">
+<file path=ppt/slides/slide9.xml><?xml version="1.0" encoding="utf-8"?>
+<p:sld xmlns:a="http://schemas.openxmlformats.org/drawingml/2006/main" xmlns:r="http://schemas.openxmlformats.org/officeDocument/2006/relationships" xmlns:p="http://schemas.openxmlformats.org/presentationml/2006/main">
   <p:cSld>
     <p:spTree>
       <p:nvGrpSpPr>
@@ -4190,7 +4674,7 @@
       </p:grpSpPr>
       <p:sp>
         <p:nvSpPr>
-          <p:cNvPr id="83" name="CustomShape 1"/>
+          <p:cNvPr id="89" name="CustomShape 1"/>
           <p:cNvSpPr/>
           <p:nvPr/>
         </p:nvSpPr>
@@ -4204,7 +4688,8 @@
           </a:prstGeom>
         </p:spPr>
         <p:txBody>
-          <a:bodyPr anchor="ctr" bIns="45000" lIns="90000" rIns="90000" tIns="45000"/>
+          <a:bodyPr lIns="90000" tIns="45000" rIns="90000" bIns="45000" anchor="ctr"/>
+          <a:lstStyle/>
           <a:p>
             <a:pPr algn="ctr">
               <a:lnSpc>
@@ -4218,15 +4703,15 @@
                 </a:solidFill>
                 <a:latin typeface="Calibri"/>
               </a:rPr>
-              <a:t>Auditorías físicas</a:t>
-            </a:r>
-            <a:endParaRPr/>
-          </a:p>
-        </p:txBody>
-      </p:sp>
-      <p:sp>
-        <p:nvSpPr>
-          <p:cNvPr id="84" name="CustomShape 2"/>
+              <a:t>Auditorías a procesos</a:t>
+            </a:r>
+            <a:endParaRPr/>
+          </a:p>
+        </p:txBody>
+      </p:sp>
+      <p:sp>
+        <p:nvSpPr>
+          <p:cNvPr id="90" name="CustomShape 2"/>
           <p:cNvSpPr/>
           <p:nvPr/>
         </p:nvSpPr>
@@ -4240,7 +4725,8 @@
           </a:prstGeom>
         </p:spPr>
         <p:txBody>
-          <a:bodyPr bIns="45000" lIns="90000" rIns="90000" tIns="45000"/>
+          <a:bodyPr lIns="90000" tIns="45000" rIns="90000" bIns="45000"/>
+          <a:lstStyle/>
           <a:p>
             <a:pPr>
               <a:lnSpc>
@@ -4250,7 +4736,7 @@
               <a:buChar char="•"/>
             </a:pPr>
             <a:r>
-              <a:rPr lang="es-MX" sz="3200">
+              <a:rPr lang="es-MX" sz="3200" dirty="0">
                 <a:solidFill>
                   <a:srgbClr val="000000"/>
                 </a:solidFill>
@@ -4258,7 +4744,7 @@
               </a:rPr>
               <a:t>&lt;Tabla y/o muestra gráfica&gt;</a:t>
             </a:r>
-            <a:endParaRPr/>
+            <a:endParaRPr lang="es-MX" sz="3200" dirty="0"/>
           </a:p>
           <a:p>
             <a:pPr>
@@ -4269,182 +4755,45 @@
               <a:buChar char="•"/>
             </a:pPr>
             <a:r>
-              <a:rPr lang="es-MX" sz="3200">
+              <a:rPr lang="es-MX" sz="3200" dirty="0">
                 <a:solidFill>
                   <a:srgbClr val="000000"/>
                 </a:solidFill>
                 <a:latin typeface="Calibri"/>
               </a:rPr>
-              <a:t>&lt;Breve análisis de los resultados&gt;</a:t>
-            </a:r>
-            <a:endParaRPr/>
+              <a:t>&lt;Se deberá documentar el análisis realizado de acuerdo a las guías de análisis definidas en el plan de métricas &gt;</a:t>
+            </a:r>
+            <a:endParaRPr lang="es-MX" sz="3200" dirty="0"/>
           </a:p>
         </p:txBody>
       </p:sp>
     </p:spTree>
   </p:cSld>
+  <p:clrMapOvr>
+    <a:masterClrMapping/>
+  </p:clrMapOvr>
   <p:timing>
     <p:tnLst>
       <p:par>
-        <p:cTn dur="indefinite" id="15" nodeType="tmRoot" restart="never">
+        <p:cTn id="1" dur="indefinite" restart="never" nodeType="tmRoot">
           <p:childTnLst>
             <p:seq>
-              <p:cTn id="16" nodeType="mainSeq">
-                <p:childTnLst/>
+              <p:cTn id="2" nodeType="mainSeq">
+                <p:childTnLst>
+                  <p:par>
+                    <p:cTn id="3"/>
+                  </p:par>
+                </p:childTnLst>
               </p:cTn>
               <p:prevCondLst>
-                <p:cond delay="0" evt="onPrev">
+                <p:cond evt="onPrev" delay="0">
                   <p:tgtEl>
                     <p:sldTgt/>
                   </p:tgtEl>
                 </p:cond>
               </p:prevCondLst>
               <p:nextCondLst>
-                <p:cond delay="0" evt="onNext">
-                  <p:tgtEl>
-                    <p:sldTgt/>
-                  </p:tgtEl>
-                </p:cond>
-              </p:nextCondLst>
-            </p:seq>
-          </p:childTnLst>
-        </p:cTn>
-      </p:par>
-    </p:tnLst>
-  </p:timing>
-</p:sld>
-</file>
-
-<file path=ppt/slides/slide9.xml><?xml version="1.0" encoding="utf-8"?>
-<p:sld xmlns:a="http://schemas.openxmlformats.org/drawingml/2006/main" xmlns:p="http://schemas.openxmlformats.org/presentationml/2006/main" xmlns:r="http://schemas.openxmlformats.org/officeDocument/2006/relationships">
-  <p:cSld>
-    <p:spTree>
-      <p:nvGrpSpPr>
-        <p:cNvPr id="1" name=""/>
-        <p:cNvGrpSpPr/>
-        <p:nvPr/>
-      </p:nvGrpSpPr>
-      <p:grpSpPr>
-        <a:xfrm>
-          <a:off x="0" y="0"/>
-          <a:ext cx="0" cy="0"/>
-          <a:chOff x="0" y="0"/>
-          <a:chExt cx="0" cy="0"/>
-        </a:xfrm>
-      </p:grpSpPr>
-      <p:sp>
-        <p:nvSpPr>
-          <p:cNvPr id="85" name="CustomShape 1"/>
-          <p:cNvSpPr/>
-          <p:nvPr/>
-        </p:nvSpPr>
-        <p:spPr>
-          <a:xfrm>
-            <a:off x="457200" y="274680"/>
-            <a:ext cx="8228160" cy="1141560"/>
-          </a:xfrm>
-          <a:prstGeom prst="rect">
-            <a:avLst/>
-          </a:prstGeom>
-        </p:spPr>
-        <p:txBody>
-          <a:bodyPr anchor="ctr" bIns="45000" lIns="90000" rIns="90000" tIns="45000"/>
-          <a:p>
-            <a:pPr algn="ctr">
-              <a:lnSpc>
-                <a:spcPct val="100000"/>
-              </a:lnSpc>
-            </a:pPr>
-            <a:r>
-              <a:rPr lang="es-MX" sz="4400">
-                <a:solidFill>
-                  <a:srgbClr val="000000"/>
-                </a:solidFill>
-                <a:latin typeface="Calibri"/>
-              </a:rPr>
-              <a:t>Auditorías funcionales</a:t>
-            </a:r>
-            <a:endParaRPr/>
-          </a:p>
-        </p:txBody>
-      </p:sp>
-      <p:sp>
-        <p:nvSpPr>
-          <p:cNvPr id="86" name="CustomShape 2"/>
-          <p:cNvSpPr/>
-          <p:nvPr/>
-        </p:nvSpPr>
-        <p:spPr>
-          <a:xfrm>
-            <a:off x="457200" y="1600200"/>
-            <a:ext cx="8228160" cy="4524480"/>
-          </a:xfrm>
-          <a:prstGeom prst="rect">
-            <a:avLst/>
-          </a:prstGeom>
-        </p:spPr>
-        <p:txBody>
-          <a:bodyPr bIns="45000" lIns="90000" rIns="90000" tIns="45000"/>
-          <a:p>
-            <a:pPr>
-              <a:lnSpc>
-                <a:spcPct val="100000"/>
-              </a:lnSpc>
-              <a:buFont typeface="Arial"/>
-              <a:buChar char="•"/>
-            </a:pPr>
-            <a:r>
-              <a:rPr lang="es-MX" sz="3200">
-                <a:solidFill>
-                  <a:srgbClr val="000000"/>
-                </a:solidFill>
-                <a:latin typeface="Calibri"/>
-              </a:rPr>
-              <a:t>&lt;Tabla y/o muestra gráfica&gt;</a:t>
-            </a:r>
-            <a:endParaRPr/>
-          </a:p>
-          <a:p>
-            <a:pPr>
-              <a:lnSpc>
-                <a:spcPct val="100000"/>
-              </a:lnSpc>
-              <a:buFont typeface="Arial"/>
-              <a:buChar char="•"/>
-            </a:pPr>
-            <a:r>
-              <a:rPr lang="es-MX" sz="3200">
-                <a:solidFill>
-                  <a:srgbClr val="000000"/>
-                </a:solidFill>
-                <a:latin typeface="Calibri"/>
-              </a:rPr>
-              <a:t>&lt;Breve análisis de los resultados&gt;</a:t>
-            </a:r>
-            <a:endParaRPr/>
-          </a:p>
-        </p:txBody>
-      </p:sp>
-    </p:spTree>
-  </p:cSld>
-  <p:timing>
-    <p:tnLst>
-      <p:par>
-        <p:cTn dur="indefinite" id="17" nodeType="tmRoot" restart="never">
-          <p:childTnLst>
-            <p:seq>
-              <p:cTn id="18" nodeType="mainSeq">
-                <p:childTnLst/>
-              </p:cTn>
-              <p:prevCondLst>
-                <p:cond delay="0" evt="onPrev">
-                  <p:tgtEl>
-                    <p:sldTgt/>
-                  </p:tgtEl>
-                </p:cond>
-              </p:prevCondLst>
-              <p:nextCondLst>
-                <p:cond delay="0" evt="onNext">
+                <p:cond evt="onNext" delay="0">
                   <p:tgtEl>
                     <p:sldTgt/>
                   </p:tgtEl>
@@ -4679,6 +5028,8 @@
       </a:bgFillStyleLst>
     </a:fmtScheme>
   </a:themeElements>
+  <a:objectDefaults/>
+  <a:extraClrSchemeLst/>
 </a:theme>
 </file>
 
@@ -4902,5 +5253,7 @@
       </a:bgFillStyleLst>
     </a:fmtScheme>
   </a:themeElements>
+  <a:objectDefaults/>
+  <a:extraClrSchemeLst/>
 </a:theme>
 </file>